--- a/Curriculum/Week_1/Lectures/1.3_HTML_and_CSS.pptx
+++ b/Curriculum/Week_1/Lectures/1.3_HTML_and_CSS.pptx
@@ -783,7 +783,7 @@
         </p:nvSpPr>
         <p:spPr>
           <a:xfrm>
-            <a:off x="381300" y="685800"/>
+            <a:off x="381000" y="685800"/>
             <a:ext cx="6096000" cy="3429000"/>
           </a:xfrm>
           <a:custGeom>
@@ -942,7 +942,7 @@
         </p:nvSpPr>
         <p:spPr>
           <a:xfrm>
-            <a:off x="381300" y="685800"/>
+            <a:off x="381000" y="685800"/>
             <a:ext cx="6096000" cy="3429000"/>
           </a:xfrm>
           <a:custGeom>
@@ -2089,7 +2089,7 @@
         </p:nvSpPr>
         <p:spPr>
           <a:xfrm>
-            <a:off x="381300" y="685800"/>
+            <a:off x="381000" y="685800"/>
             <a:ext cx="6096000" cy="3429000"/>
           </a:xfrm>
           <a:custGeom>
@@ -2479,7 +2479,7 @@
         </p:nvSpPr>
         <p:spPr>
           <a:xfrm>
-            <a:off x="381300" y="685800"/>
+            <a:off x="381000" y="685800"/>
             <a:ext cx="6096000" cy="3429000"/>
           </a:xfrm>
           <a:custGeom>
@@ -4057,7 +4057,7 @@
         </p:nvSpPr>
         <p:spPr>
           <a:xfrm>
-            <a:off x="381300" y="685800"/>
+            <a:off x="381000" y="685800"/>
             <a:ext cx="6096000" cy="3429000"/>
           </a:xfrm>
           <a:custGeom>
@@ -4185,7 +4185,7 @@
         </p:nvSpPr>
         <p:spPr>
           <a:xfrm>
-            <a:off x="381300" y="685800"/>
+            <a:off x="381000" y="685800"/>
             <a:ext cx="6096000" cy="3429000"/>
           </a:xfrm>
           <a:custGeom>
@@ -11610,7 +11610,7 @@
               <a:buNone/>
             </a:pPr>
             <a:r>
-              <a:rPr lang="en" sz="1800" b="0" i="0" u="none" strike="noStrike" cap="none">
+              <a:rPr lang="en" sz="1800" b="0" i="0" u="none" strike="noStrike" cap="none" dirty="0">
                 <a:solidFill>
                   <a:schemeClr val="dk2"/>
                 </a:solidFill>
@@ -11641,7 +11641,7 @@
               <a:buNone/>
             </a:pPr>
             <a:r>
-              <a:rPr lang="en" sz="1800" b="0" i="0" u="none" strike="noStrike" cap="none">
+              <a:rPr lang="en" sz="1800" b="0" i="0" u="none" strike="noStrike" cap="none" dirty="0">
                 <a:solidFill>
                   <a:schemeClr val="dk2"/>
                 </a:solidFill>
@@ -11672,16 +11672,28 @@
               <a:buNone/>
             </a:pPr>
             <a:r>
-              <a:rPr lang="en" sz="1800" b="0" i="0" u="none" strike="noStrike" cap="none">
-                <a:solidFill>
-                  <a:schemeClr val="dk2"/>
-                </a:solidFill>
-                <a:latin typeface="Open Sans"/>
-                <a:ea typeface="Open Sans"/>
-                <a:cs typeface="Open Sans"/>
-                <a:sym typeface="Open Sans"/>
-              </a:rPr>
-              <a:t>Good practice to have a folder that organizes the images on your site</a:t>
+              <a:rPr lang="en" sz="1800" b="0" i="0" u="none" strike="noStrike" cap="none" dirty="0">
+                <a:solidFill>
+                  <a:schemeClr val="dk2"/>
+                </a:solidFill>
+                <a:latin typeface="Open Sans"/>
+                <a:ea typeface="Open Sans"/>
+                <a:cs typeface="Open Sans"/>
+                <a:sym typeface="Open Sans"/>
+              </a:rPr>
+              <a:t>Good practice to have a folder that organizes the images on your </a:t>
+            </a:r>
+            <a:r>
+              <a:rPr lang="en" sz="1800" b="0" i="0" u="none" strike="noStrike" cap="none" dirty="0" smtClean="0">
+                <a:solidFill>
+                  <a:schemeClr val="dk2"/>
+                </a:solidFill>
+                <a:latin typeface="Open Sans"/>
+                <a:ea typeface="Open Sans"/>
+                <a:cs typeface="Open Sans"/>
+                <a:sym typeface="Open Sans"/>
+              </a:rPr>
+              <a:t>site</a:t>
             </a:r>
           </a:p>
           <a:p>
@@ -11703,81 +11715,90 @@
               <a:buChar char="●"/>
             </a:pPr>
             <a:r>
-              <a:rPr lang="en" sz="1400" b="0" i="0" u="none" strike="noStrike" cap="none">
-                <a:solidFill>
-                  <a:schemeClr val="dk2"/>
-                </a:solidFill>
-                <a:latin typeface="Open Sans"/>
-                <a:ea typeface="Open Sans"/>
-                <a:cs typeface="Open Sans"/>
-                <a:sym typeface="Open Sans"/>
-              </a:rPr>
-              <a:t>&lt;img src=”images/frog.jpg” alt=”a green frog on a lilypad” title=”Frog” width=”50” height=”40”&gt;</a:t>
-            </a:r>
-          </a:p>
-          <a:p>
-            <a:pPr marL="0" marR="0" lvl="0" indent="0" algn="l" rtl="0">
-              <a:lnSpc>
-                <a:spcPct val="115000"/>
-              </a:lnSpc>
+              <a:rPr lang="en" sz="1400" b="0" i="0" u="none" strike="noStrike" cap="none" dirty="0">
+                <a:solidFill>
+                  <a:schemeClr val="dk2"/>
+                </a:solidFill>
+                <a:latin typeface="Open Sans"/>
+                <a:ea typeface="Open Sans"/>
+                <a:cs typeface="Open Sans"/>
+                <a:sym typeface="Open Sans"/>
+              </a:rPr>
+              <a:t>&lt;img src=”images/frog.jpg” alt=”a green frog on a lilypad” title=”Frog” width=”50” height=”40</a:t>
+            </a:r>
+            <a:r>
+              <a:rPr lang="en" sz="1400" b="0" i="0" u="none" strike="noStrike" cap="none" dirty="0" smtClean="0">
+                <a:solidFill>
+                  <a:schemeClr val="dk2"/>
+                </a:solidFill>
+                <a:latin typeface="Open Sans"/>
+                <a:ea typeface="Open Sans"/>
+                <a:cs typeface="Open Sans"/>
+                <a:sym typeface="Open Sans"/>
+              </a:rPr>
+              <a:t>”&gt;</a:t>
+            </a:r>
+            <a:endParaRPr lang="en-US" sz="1400" b="0" i="0" u="none" strike="noStrike" cap="none" dirty="0" smtClean="0">
+              <a:solidFill>
+                <a:schemeClr val="dk2"/>
+              </a:solidFill>
+              <a:latin typeface="Open Sans"/>
+              <a:ea typeface="Open Sans"/>
+              <a:cs typeface="Open Sans"/>
+              <a:sym typeface="Open Sans"/>
+            </a:endParaRPr>
+          </a:p>
+          <a:p>
+            <a:pPr marL="139700">
               <a:spcBef>
                 <a:spcPts val="1600"/>
               </a:spcBef>
               <a:spcAft>
                 <a:spcPts val="0"/>
               </a:spcAft>
-              <a:buClr>
-                <a:schemeClr val="dk2"/>
-              </a:buClr>
-              <a:buSzPct val="25000"/>
-              <a:buFont typeface="Open Sans"/>
-              <a:buNone/>
-            </a:pPr>
-            <a:r>
-              <a:rPr lang="en" sz="1800" b="0" i="0" u="none" strike="noStrike" cap="none">
-                <a:solidFill>
-                  <a:schemeClr val="dk2"/>
-                </a:solidFill>
-                <a:latin typeface="Open Sans"/>
-                <a:ea typeface="Open Sans"/>
-                <a:cs typeface="Open Sans"/>
-                <a:sym typeface="Open Sans"/>
-              </a:rPr>
-              <a:t>Images can be animated, transparent, have captions… and more!</a:t>
-            </a:r>
-          </a:p>
-          <a:p>
-            <a:pPr marL="457200" marR="0" lvl="0" indent="-228600" algn="l" rtl="0">
-              <a:lnSpc>
-                <a:spcPct val="115000"/>
-              </a:lnSpc>
+              <a:buSzPct val="100000"/>
+            </a:pPr>
+            <a:r>
+              <a:rPr lang="en" dirty="0" smtClean="0"/>
+              <a:t>Images </a:t>
+            </a:r>
+            <a:r>
+              <a:rPr lang="en" dirty="0"/>
+              <a:t>can be animated, transparent, have captions… and more</a:t>
+            </a:r>
+            <a:r>
+              <a:rPr lang="en" dirty="0" smtClean="0"/>
+              <a:t>!</a:t>
+            </a:r>
+            <a:endParaRPr lang="en-US" b="0" i="0" u="none" strike="noStrike" cap="none" dirty="0" smtClean="0">
+              <a:solidFill>
+                <a:schemeClr val="dk2"/>
+              </a:solidFill>
+              <a:sym typeface="Open Sans"/>
+            </a:endParaRPr>
+          </a:p>
+          <a:p>
+            <a:pPr marL="457200" indent="-317500">
               <a:spcBef>
                 <a:spcPts val="1600"/>
               </a:spcBef>
               <a:spcAft>
                 <a:spcPts val="0"/>
               </a:spcAft>
-              <a:buClr>
-                <a:schemeClr val="dk2"/>
-              </a:buClr>
-              <a:buSzPct val="128571"/>
+              <a:buSzPct val="100000"/>
               <a:buFont typeface="Open Sans"/>
               <a:buChar char="●"/>
             </a:pPr>
             <a:r>
-              <a:rPr lang="en" sz="1400" b="0" i="0" u="none" strike="noStrike" cap="none">
-                <a:solidFill>
-                  <a:schemeClr val="dk2"/>
-                </a:solidFill>
-                <a:latin typeface="Open Sans"/>
-                <a:ea typeface="Open Sans"/>
-                <a:cs typeface="Open Sans"/>
-                <a:sym typeface="Open Sans"/>
-              </a:rPr>
-              <a:t>&lt;figure&gt; &lt;img src=”images/pigs.jpg” /&gt; &lt;figcaption&gt;Piglets&lt;/figcaption&gt;&lt;/figure&gt;</a:t>
-            </a:r>
-            <a:r>
-              <a:rPr lang="en" sz="1800" b="0" i="0" u="none" strike="noStrike" cap="none">
+              <a:rPr lang="en" sz="1400" dirty="0"/>
+              <a:t>&lt;figure&gt; &lt;img src=”images/pigs.jpg” /&gt; &lt;figcaption&gt;Piglets&lt;/figcaption&gt;&lt;/figure</a:t>
+            </a:r>
+            <a:r>
+              <a:rPr lang="en" sz="1400" dirty="0" smtClean="0"/>
+              <a:t>&gt;</a:t>
+            </a:r>
+            <a:r>
+              <a:rPr lang="en" b="0" i="0" u="none" strike="noStrike" cap="none" dirty="0">
                 <a:solidFill>
                   <a:schemeClr val="dk2"/>
                 </a:solidFill>
@@ -11789,7 +11810,7 @@
               <a:t/>
             </a:r>
             <a:br>
-              <a:rPr lang="en" sz="1800" b="0" i="0" u="none" strike="noStrike" cap="none">
+              <a:rPr lang="en" b="0" i="0" u="none" strike="noStrike" cap="none" dirty="0">
                 <a:solidFill>
                   <a:schemeClr val="dk2"/>
                 </a:solidFill>
@@ -11799,7 +11820,7 @@
                 <a:sym typeface="Open Sans"/>
               </a:rPr>
             </a:br>
-            <a:endParaRPr lang="en" sz="1800" b="0" i="0" u="none" strike="noStrike" cap="none">
+            <a:endParaRPr lang="en" b="0" i="0" u="none" strike="noStrike" cap="none" dirty="0">
               <a:solidFill>
                 <a:schemeClr val="dk2"/>
               </a:solidFill>
@@ -11928,7 +11949,7 @@
           <a:p>
             <a:pPr marL="0" marR="0" lvl="0" indent="0" algn="l" rtl="0">
               <a:lnSpc>
-                <a:spcPct val="115000"/>
+                <a:spcPct val="120000"/>
               </a:lnSpc>
               <a:spcBef>
                 <a:spcPts val="0"/>
@@ -11944,7 +11965,7 @@
               <a:buNone/>
             </a:pPr>
             <a:r>
-              <a:rPr lang="en" sz="1800" b="0" i="0" u="none" strike="noStrike" cap="none">
+              <a:rPr lang="en" sz="1800" b="0" i="0" u="none" strike="noStrike" cap="none" dirty="0">
                 <a:solidFill>
                   <a:schemeClr val="dk2"/>
                 </a:solidFill>
@@ -11959,7 +11980,7 @@
           <a:p>
             <a:pPr marL="457200" marR="0" lvl="0" indent="-228600" algn="l" rtl="0">
               <a:lnSpc>
-                <a:spcPct val="115000"/>
+                <a:spcPct val="120000"/>
               </a:lnSpc>
               <a:spcBef>
                 <a:spcPts val="0"/>
@@ -11975,7 +11996,7 @@
               <a:buChar char="●"/>
             </a:pPr>
             <a:r>
-              <a:rPr lang="en" sz="1400" b="0" i="0" u="none" strike="noStrike" cap="none">
+              <a:rPr lang="en" sz="1400" b="0" i="0" u="none" strike="noStrike" cap="none" dirty="0">
                 <a:solidFill>
                   <a:schemeClr val="dk2"/>
                 </a:solidFill>
@@ -11990,7 +12011,7 @@
           <a:p>
             <a:pPr marL="457200" marR="0" lvl="0" indent="-228600" algn="l" rtl="0">
               <a:lnSpc>
-                <a:spcPct val="115000"/>
+                <a:spcPct val="120000"/>
               </a:lnSpc>
               <a:spcBef>
                 <a:spcPts val="0"/>
@@ -12006,7 +12027,7 @@
               <a:buChar char="●"/>
             </a:pPr>
             <a:r>
-              <a:rPr lang="en" sz="1400" b="0" i="0" u="none" strike="noStrike" cap="none">
+              <a:rPr lang="en" sz="1400" b="0" i="0" u="none" strike="noStrike" cap="none" dirty="0">
                 <a:solidFill>
                   <a:schemeClr val="dk2"/>
                 </a:solidFill>
@@ -12021,7 +12042,7 @@
           <a:p>
             <a:pPr marL="457200" marR="0" lvl="0" indent="-228600" algn="l" rtl="0">
               <a:lnSpc>
-                <a:spcPct val="115000"/>
+                <a:spcPct val="120000"/>
               </a:lnSpc>
               <a:spcBef>
                 <a:spcPts val="0"/>
@@ -12037,7 +12058,7 @@
               <a:buChar char="●"/>
             </a:pPr>
             <a:r>
-              <a:rPr lang="en" sz="1400" b="0" i="0" u="none" strike="noStrike" cap="none">
+              <a:rPr lang="en" sz="1400" b="0" i="0" u="none" strike="noStrike" cap="none" dirty="0">
                 <a:solidFill>
                   <a:schemeClr val="dk2"/>
                 </a:solidFill>
@@ -12052,7 +12073,7 @@
           <a:p>
             <a:pPr marL="457200" marR="0" lvl="0" indent="-228600" algn="l" rtl="0">
               <a:lnSpc>
-                <a:spcPct val="115000"/>
+                <a:spcPct val="120000"/>
               </a:lnSpc>
               <a:spcBef>
                 <a:spcPts val="0"/>
@@ -12068,7 +12089,7 @@
               <a:buChar char="●"/>
             </a:pPr>
             <a:r>
-              <a:rPr lang="en" sz="1400"/>
+              <a:rPr lang="en" sz="1400" dirty="0"/>
               <a:t>&lt;thead&gt;, &lt;tbody&gt;, and &lt;tfoot&gt; will not affect the layout of the table by default. However, you can use CSS to style these elements.</a:t>
             </a:r>
           </a:p>
@@ -12260,7 +12281,7 @@
               <a:buNone/>
             </a:pPr>
             <a:r>
-              <a:rPr lang="en" sz="1800" b="0" i="0" u="none" strike="noStrike" cap="none">
+              <a:rPr lang="en" sz="1800" b="0" i="0" u="none" strike="noStrike" cap="none" dirty="0">
                 <a:solidFill>
                   <a:schemeClr val="dk2"/>
                 </a:solidFill>
@@ -12291,7 +12312,7 @@
               <a:buChar char="●"/>
             </a:pPr>
             <a:r>
-              <a:rPr lang="en" sz="1400" b="0" i="0" u="none" strike="noStrike" cap="none">
+              <a:rPr lang="en" sz="1400" b="0" i="0" u="none" strike="noStrike" cap="none" dirty="0">
                 <a:solidFill>
                   <a:schemeClr val="dk2"/>
                 </a:solidFill>
@@ -12322,7 +12343,7 @@
               <a:buChar char="●"/>
             </a:pPr>
             <a:r>
-              <a:rPr lang="en" sz="1400" b="0" i="0" u="none" strike="noStrike" cap="none">
+              <a:rPr lang="en" sz="1400" b="0" i="0" u="none" strike="noStrike" cap="none" dirty="0">
                 <a:solidFill>
                   <a:schemeClr val="dk2"/>
                 </a:solidFill>
@@ -12353,7 +12374,7 @@
               <a:buChar char="●"/>
             </a:pPr>
             <a:r>
-              <a:rPr lang="en" sz="1400" b="0" i="0" u="none" strike="noStrike" cap="none">
+              <a:rPr lang="en" sz="1400" b="0" i="0" u="none" strike="noStrike" cap="none" dirty="0">
                 <a:solidFill>
                   <a:schemeClr val="dk2"/>
                 </a:solidFill>
@@ -12384,7 +12405,7 @@
               <a:buChar char="●"/>
             </a:pPr>
             <a:r>
-              <a:rPr lang="en" sz="1400" b="0" i="0" u="none" strike="noStrike" cap="none">
+              <a:rPr lang="en" sz="1400" b="0" i="0" u="none" strike="noStrike" cap="none" dirty="0">
                 <a:solidFill>
                   <a:schemeClr val="dk2"/>
                 </a:solidFill>
@@ -12415,7 +12436,7 @@
               <a:buChar char="●"/>
             </a:pPr>
             <a:r>
-              <a:rPr lang="en" sz="1400" b="0" i="0" u="none" strike="noStrike" cap="none">
+              <a:rPr lang="en" sz="1400" b="0" i="0" u="none" strike="noStrike" cap="none" dirty="0">
                 <a:solidFill>
                   <a:schemeClr val="dk2"/>
                 </a:solidFill>
@@ -12446,7 +12467,7 @@
               <a:buChar char="●"/>
             </a:pPr>
             <a:r>
-              <a:rPr lang="en" sz="1400" b="0" i="0" u="none" strike="noStrike" cap="none">
+              <a:rPr lang="en" sz="1400" b="0" i="0" u="none" strike="noStrike" cap="none" dirty="0">
                 <a:solidFill>
                   <a:schemeClr val="dk2"/>
                 </a:solidFill>
@@ -12477,7 +12498,7 @@
               <a:buChar char="●"/>
             </a:pPr>
             <a:r>
-              <a:rPr lang="en" sz="1400" b="0" i="0" u="none" strike="noStrike" cap="none">
+              <a:rPr lang="en" sz="1400" b="0" i="0" u="none" strike="noStrike" cap="none" dirty="0">
                 <a:solidFill>
                   <a:schemeClr val="dk2"/>
                 </a:solidFill>
@@ -12508,7 +12529,7 @@
               <a:buChar char="●"/>
             </a:pPr>
             <a:r>
-              <a:rPr lang="en" sz="1400" b="0" i="0" u="none" strike="noStrike" cap="none">
+              <a:rPr lang="en" sz="1400" b="0" i="0" u="none" strike="noStrike" cap="none" dirty="0">
                 <a:solidFill>
                   <a:schemeClr val="dk2"/>
                 </a:solidFill>
@@ -12539,7 +12560,7 @@
               <a:buChar char="●"/>
             </a:pPr>
             <a:r>
-              <a:rPr lang="en" sz="1400" b="0" i="0" u="none" strike="noStrike" cap="none">
+              <a:rPr lang="en" sz="1400" b="0" i="0" u="none" strike="noStrike" cap="none" dirty="0">
                 <a:solidFill>
                   <a:schemeClr val="dk2"/>
                 </a:solidFill>
@@ -12570,7 +12591,7 @@
               <a:buChar char="●"/>
             </a:pPr>
             <a:r>
-              <a:rPr lang="en" sz="1400" b="0" i="0" u="none" strike="noStrike" cap="none">
+              <a:rPr lang="en" sz="1400" b="0" i="0" u="none" strike="noStrike" cap="none" dirty="0">
                 <a:solidFill>
                   <a:schemeClr val="dk2"/>
                 </a:solidFill>
@@ -12601,7 +12622,7 @@
               <a:buNone/>
             </a:pPr>
             <a:r>
-              <a:rPr lang="en" sz="1800" b="0" i="0" u="none" strike="noStrike" cap="none">
+              <a:rPr lang="en" sz="1800" b="0" i="0" u="none" strike="noStrike" cap="none" dirty="0">
                 <a:solidFill>
                   <a:schemeClr val="dk2"/>
                 </a:solidFill>
@@ -12873,85 +12894,591 @@
           </a:bodyPr>
           <a:lstStyle/>
           <a:p>
-            <a:pPr marL="0" marR="0" lvl="0" indent="0" algn="l" rtl="0">
+            <a:pPr marL="457200" indent="-317500">
               <a:lnSpc>
                 <a:spcPct val="100000"/>
               </a:lnSpc>
-              <a:spcBef>
-                <a:spcPts val="0"/>
-              </a:spcBef>
-              <a:spcAft>
-                <a:spcPts val="0"/>
-              </a:spcAft>
-              <a:buClr>
-                <a:schemeClr val="dk2"/>
-              </a:buClr>
+              <a:spcAft>
+                <a:spcPts val="0"/>
+              </a:spcAft>
+              <a:buSzPct val="100000"/>
+              <a:buFont typeface="Open Sans"/>
+              <a:buChar char="●"/>
+            </a:pPr>
+            <a:r>
+              <a:rPr lang="en" dirty="0" smtClean="0"/>
+              <a:t>Associates </a:t>
+            </a:r>
+            <a:r>
+              <a:rPr lang="en" dirty="0"/>
+              <a:t>style rules with HTML elements, and dictates how they’re </a:t>
+            </a:r>
+            <a:r>
+              <a:rPr lang="en" dirty="0" smtClean="0"/>
+              <a:t>displayed</a:t>
+            </a:r>
+            <a:endParaRPr lang="en-US" dirty="0" smtClean="0"/>
+          </a:p>
+          <a:p>
+            <a:pPr marL="457200" lvl="0" indent="-317500">
+              <a:lnSpc>
+                <a:spcPct val="100000"/>
+              </a:lnSpc>
+              <a:spcAft>
+                <a:spcPts val="0"/>
+              </a:spcAft>
+              <a:buSzPct val="100000"/>
+              <a:buFont typeface="Open Sans"/>
+              <a:buChar char="●"/>
+            </a:pPr>
+            <a:r>
+              <a:rPr lang="en" dirty="0">
+                <a:solidFill>
+                  <a:schemeClr val="bg2"/>
+                </a:solidFill>
+              </a:rPr>
+              <a:t>Can be defined in an HTML document inside a &lt;style&gt; tag inside the &lt;head</a:t>
+            </a:r>
+            <a:r>
+              <a:rPr lang="en" dirty="0" smtClean="0">
+                <a:solidFill>
+                  <a:schemeClr val="bg2"/>
+                </a:solidFill>
+              </a:rPr>
+              <a:t>&gt;:</a:t>
+            </a:r>
+          </a:p>
+          <a:p>
+            <a:pPr marL="457200" lvl="0">
+              <a:lnSpc>
+                <a:spcPct val="100000"/>
+              </a:lnSpc>
+              <a:spcAft>
+                <a:spcPts val="0"/>
+              </a:spcAft>
               <a:buSzPct val="25000"/>
-              <a:buFont typeface="Open Sans"/>
-              <a:buNone/>
-            </a:pPr>
+            </a:pPr>
+            <a:r>
+              <a:rPr lang="en" sz="1400" dirty="0" smtClean="0">
+                <a:latin typeface="Consolas"/>
+                <a:cs typeface="Consolas"/>
+              </a:rPr>
+              <a:t>&lt;head&gt;</a:t>
+            </a:r>
+          </a:p>
+          <a:p>
+            <a:pPr marL="457200" lvl="0">
+              <a:lnSpc>
+                <a:spcPct val="100000"/>
+              </a:lnSpc>
+              <a:spcAft>
+                <a:spcPts val="0"/>
+              </a:spcAft>
+              <a:buSzPct val="25000"/>
+            </a:pPr>
+            <a:r>
+              <a:rPr lang="en" sz="1400" dirty="0" smtClean="0">
+                <a:latin typeface="Consolas"/>
+                <a:cs typeface="Consolas"/>
+              </a:rPr>
+              <a:t>  &lt;</a:t>
+            </a:r>
+            <a:r>
+              <a:rPr lang="en" sz="1400" dirty="0">
+                <a:latin typeface="Consolas"/>
+                <a:cs typeface="Consolas"/>
+              </a:rPr>
+              <a:t>style&gt;		</a:t>
+            </a:r>
+            <a:r>
+              <a:rPr lang="en" sz="1400" dirty="0" smtClean="0">
+                <a:solidFill>
+                  <a:srgbClr val="A6A6A6"/>
+                </a:solidFill>
+                <a:latin typeface="Consolas"/>
+                <a:cs typeface="Consolas"/>
+              </a:rPr>
+              <a:t>&lt;!-- </a:t>
+            </a:r>
+            <a:r>
+              <a:rPr lang="en" sz="1400" dirty="0">
+                <a:solidFill>
+                  <a:srgbClr val="A6A6A6"/>
+                </a:solidFill>
+                <a:latin typeface="Consolas"/>
+                <a:cs typeface="Consolas"/>
+              </a:rPr>
+              <a:t>CSS goes inside this tag --&gt;</a:t>
+            </a:r>
+          </a:p>
+          <a:p>
+            <a:pPr marL="457200" lvl="0">
+              <a:lnSpc>
+                <a:spcPct val="100000"/>
+              </a:lnSpc>
+              <a:spcAft>
+                <a:spcPts val="0"/>
+              </a:spcAft>
+              <a:buSzPct val="25000"/>
+            </a:pPr>
+            <a:r>
+              <a:rPr lang="en" sz="1400" dirty="0">
+                <a:latin typeface="Consolas"/>
+                <a:cs typeface="Consolas"/>
+              </a:rPr>
+              <a:t>    </a:t>
+            </a:r>
+            <a:r>
+              <a:rPr lang="en" sz="1400" dirty="0" smtClean="0">
+                <a:latin typeface="Consolas"/>
+                <a:cs typeface="Consolas"/>
+              </a:rPr>
+              <a:t>#</a:t>
+            </a:r>
+            <a:r>
+              <a:rPr lang="en" sz="1400" dirty="0">
+                <a:latin typeface="Consolas"/>
+                <a:cs typeface="Consolas"/>
+              </a:rPr>
+              <a:t>my-div {	</a:t>
+            </a:r>
+            <a:r>
+              <a:rPr lang="en-US" sz="1400" dirty="0" smtClean="0">
+                <a:latin typeface="Consolas"/>
+                <a:cs typeface="Consolas"/>
+              </a:rPr>
+              <a:t>	</a:t>
+            </a:r>
+            <a:r>
+              <a:rPr lang="en" sz="1400" dirty="0" smtClean="0">
+                <a:solidFill>
+                  <a:srgbClr val="A6A6A6"/>
+                </a:solidFill>
+                <a:latin typeface="Consolas"/>
+                <a:cs typeface="Consolas"/>
+              </a:rPr>
+              <a:t>&lt;!</a:t>
+            </a:r>
+            <a:r>
+              <a:rPr lang="mr-IN" sz="1400" dirty="0" smtClean="0">
+                <a:solidFill>
+                  <a:srgbClr val="A6A6A6"/>
+                </a:solidFill>
+                <a:latin typeface="Consolas"/>
+                <a:cs typeface="Consolas"/>
+              </a:rPr>
+              <a:t>–</a:t>
+            </a:r>
+            <a:r>
+              <a:rPr lang="en-US" sz="1400" dirty="0" smtClean="0">
+                <a:solidFill>
+                  <a:srgbClr val="A6A6A6"/>
+                </a:solidFill>
+                <a:latin typeface="Consolas"/>
+                <a:cs typeface="Consolas"/>
+              </a:rPr>
+              <a:t>-</a:t>
+            </a:r>
+            <a:r>
+              <a:rPr lang="en" sz="1400" dirty="0" smtClean="0">
+                <a:solidFill>
+                  <a:srgbClr val="A6A6A6"/>
+                </a:solidFill>
+                <a:latin typeface="Consolas"/>
+                <a:cs typeface="Consolas"/>
+              </a:rPr>
+              <a:t> </a:t>
+            </a:r>
+            <a:r>
+              <a:rPr lang="en-US" sz="1400" dirty="0" smtClean="0">
+                <a:solidFill>
+                  <a:srgbClr val="A6A6A6"/>
+                </a:solidFill>
+                <a:latin typeface="Consolas"/>
+                <a:cs typeface="Consolas"/>
+              </a:rPr>
+              <a:t>define </a:t>
+            </a:r>
+            <a:r>
+              <a:rPr lang="en" sz="1400" dirty="0" smtClean="0">
+                <a:solidFill>
+                  <a:srgbClr val="A6A6A6"/>
+                </a:solidFill>
+                <a:latin typeface="Consolas"/>
+                <a:cs typeface="Consolas"/>
+              </a:rPr>
+              <a:t>styling </a:t>
+            </a:r>
+            <a:r>
+              <a:rPr lang="en" sz="1400" dirty="0">
+                <a:solidFill>
+                  <a:srgbClr val="A6A6A6"/>
+                </a:solidFill>
+                <a:latin typeface="Consolas"/>
+                <a:cs typeface="Consolas"/>
+              </a:rPr>
+              <a:t>for the element with </a:t>
+            </a:r>
+            <a:r>
+              <a:rPr lang="en" sz="1400" dirty="0" smtClean="0">
+                <a:solidFill>
+                  <a:srgbClr val="A6A6A6"/>
+                </a:solidFill>
+                <a:latin typeface="Consolas"/>
+                <a:cs typeface="Consolas"/>
+              </a:rPr>
+              <a:t>id</a:t>
+            </a:r>
+            <a:r>
+              <a:rPr lang="en-US" sz="1400" dirty="0">
+                <a:solidFill>
+                  <a:srgbClr val="A6A6A6"/>
+                </a:solidFill>
+                <a:latin typeface="Consolas"/>
+                <a:cs typeface="Consolas"/>
+              </a:rPr>
+              <a:t> </a:t>
+            </a:r>
+            <a:r>
+              <a:rPr lang="en" sz="1400" dirty="0" smtClean="0">
+                <a:solidFill>
+                  <a:srgbClr val="A6A6A6"/>
+                </a:solidFill>
+                <a:latin typeface="Consolas"/>
+                <a:cs typeface="Consolas"/>
+              </a:rPr>
+              <a:t>“my_div”</a:t>
+            </a:r>
+            <a:r>
+              <a:rPr lang="en-US" sz="1400" dirty="0" smtClean="0">
+                <a:solidFill>
+                  <a:srgbClr val="A6A6A6"/>
+                </a:solidFill>
+                <a:latin typeface="Consolas"/>
+                <a:cs typeface="Consolas"/>
+              </a:rPr>
+              <a:t> --&gt;</a:t>
+            </a:r>
+            <a:r>
+              <a:rPr lang="en" sz="1400" dirty="0" smtClean="0">
+                <a:solidFill>
+                  <a:srgbClr val="A6A6A6"/>
+                </a:solidFill>
+                <a:latin typeface="Consolas"/>
+                <a:cs typeface="Consolas"/>
+                <a:sym typeface="Wingdings"/>
+              </a:rPr>
+              <a:t/>
+            </a:r>
+            <a:br>
+              <a:rPr lang="en" sz="1400" dirty="0" smtClean="0">
+                <a:solidFill>
+                  <a:srgbClr val="A6A6A6"/>
+                </a:solidFill>
+                <a:latin typeface="Consolas"/>
+                <a:cs typeface="Consolas"/>
+                <a:sym typeface="Wingdings"/>
+              </a:rPr>
+            </a:br>
+            <a:r>
+              <a:rPr lang="en" sz="1400" dirty="0" smtClean="0">
+                <a:solidFill>
+                  <a:srgbClr val="A6A6A6"/>
+                </a:solidFill>
+                <a:latin typeface="Consolas"/>
+                <a:cs typeface="Consolas"/>
+                <a:sym typeface="Wingdings"/>
+              </a:rPr>
+              <a:t>      </a:t>
+            </a:r>
+            <a:r>
+              <a:rPr lang="en-US" sz="1400" dirty="0" smtClean="0">
+                <a:latin typeface="Consolas"/>
+                <a:cs typeface="Consolas"/>
+              </a:rPr>
+              <a:t>c</a:t>
+            </a:r>
+            <a:r>
+              <a:rPr lang="en" sz="1400" dirty="0" smtClean="0">
+                <a:latin typeface="Consolas"/>
+                <a:cs typeface="Consolas"/>
+              </a:rPr>
+              <a:t>olor</a:t>
+            </a:r>
+            <a:r>
+              <a:rPr lang="en" sz="1400" dirty="0">
+                <a:latin typeface="Consolas"/>
+                <a:cs typeface="Consolas"/>
+              </a:rPr>
+              <a:t>: blue;	</a:t>
+            </a:r>
+            <a:r>
+              <a:rPr lang="en" sz="1400" dirty="0" smtClean="0">
+                <a:solidFill>
+                  <a:schemeClr val="bg1">
+                    <a:lumMod val="65000"/>
+                  </a:schemeClr>
+                </a:solidFill>
+                <a:latin typeface="Consolas"/>
+                <a:cs typeface="Consolas"/>
+              </a:rPr>
+              <a:t>&lt;!-- </a:t>
+            </a:r>
+            <a:r>
+              <a:rPr lang="en" sz="1400" dirty="0">
+                <a:solidFill>
+                  <a:schemeClr val="bg1">
+                    <a:lumMod val="65000"/>
+                  </a:schemeClr>
+                </a:solidFill>
+                <a:latin typeface="Consolas"/>
+                <a:cs typeface="Consolas"/>
+              </a:rPr>
+              <a:t>make the text color blue --&gt;</a:t>
+            </a:r>
+          </a:p>
+          <a:p>
+            <a:pPr marL="457200" lvl="0">
+              <a:lnSpc>
+                <a:spcPct val="100000"/>
+              </a:lnSpc>
+              <a:spcAft>
+                <a:spcPts val="0"/>
+              </a:spcAft>
+              <a:buSzPct val="25000"/>
+            </a:pPr>
+            <a:r>
+              <a:rPr lang="en" sz="1400" dirty="0">
+                <a:latin typeface="Consolas"/>
+                <a:cs typeface="Consolas"/>
+              </a:rPr>
+              <a:t>    </a:t>
+            </a:r>
+            <a:r>
+              <a:rPr lang="en" sz="1400" dirty="0" smtClean="0">
+                <a:latin typeface="Consolas"/>
+                <a:cs typeface="Consolas"/>
+              </a:rPr>
+              <a:t>}</a:t>
+            </a:r>
+            <a:endParaRPr lang="en" sz="1400" dirty="0">
+              <a:latin typeface="Consolas"/>
+              <a:cs typeface="Consolas"/>
+            </a:endParaRPr>
+          </a:p>
+          <a:p>
+            <a:pPr marL="457200" lvl="0">
+              <a:lnSpc>
+                <a:spcPct val="100000"/>
+              </a:lnSpc>
+              <a:spcAft>
+                <a:spcPts val="0"/>
+              </a:spcAft>
+              <a:buSzPct val="25000"/>
+            </a:pPr>
+            <a:r>
+              <a:rPr lang="en" sz="1400" dirty="0">
+                <a:latin typeface="Consolas"/>
+                <a:cs typeface="Consolas"/>
+              </a:rPr>
+              <a:t>  </a:t>
+            </a:r>
+            <a:r>
+              <a:rPr lang="en" sz="1400" dirty="0" smtClean="0">
+                <a:latin typeface="Consolas"/>
+                <a:cs typeface="Consolas"/>
+              </a:rPr>
+              <a:t>&lt;/</a:t>
+            </a:r>
+            <a:r>
+              <a:rPr lang="en" sz="1400" dirty="0">
+                <a:latin typeface="Consolas"/>
+                <a:cs typeface="Consolas"/>
+              </a:rPr>
+              <a:t>style&gt;</a:t>
+            </a:r>
+          </a:p>
+          <a:p>
+            <a:pPr marL="457200" lvl="0">
+              <a:lnSpc>
+                <a:spcPct val="100000"/>
+              </a:lnSpc>
+              <a:spcAft>
+                <a:spcPts val="0"/>
+              </a:spcAft>
+              <a:buSzPct val="25000"/>
+            </a:pPr>
+            <a:r>
+              <a:rPr lang="en" sz="1400" dirty="0">
+                <a:latin typeface="Consolas"/>
+                <a:cs typeface="Consolas"/>
+              </a:rPr>
+              <a:t>&lt;/head</a:t>
+            </a:r>
+            <a:r>
+              <a:rPr lang="en" sz="1400" dirty="0" smtClean="0">
+                <a:latin typeface="Consolas"/>
+                <a:cs typeface="Consolas"/>
+              </a:rPr>
+              <a:t>&gt;</a:t>
+            </a:r>
+            <a:endParaRPr lang="en" sz="1400" dirty="0">
+              <a:latin typeface="Consolas"/>
+              <a:cs typeface="Consolas"/>
+            </a:endParaRPr>
+          </a:p>
+          <a:p>
+            <a:pPr marL="457200" lvl="0" indent="-317500">
+              <a:lnSpc>
+                <a:spcPct val="100000"/>
+              </a:lnSpc>
+              <a:spcAft>
+                <a:spcPts val="0"/>
+              </a:spcAft>
+              <a:buSzPct val="100000"/>
+              <a:buFont typeface="Open Sans"/>
+              <a:buChar char="●"/>
+            </a:pPr>
+            <a:r>
+              <a:rPr lang="en" sz="1800" b="0" i="0" u="none" strike="noStrike" cap="none" dirty="0" smtClean="0">
+                <a:solidFill>
+                  <a:srgbClr val="695D46"/>
+                </a:solidFill>
+                <a:latin typeface="Open Sans"/>
+                <a:ea typeface="Open Sans"/>
+                <a:cs typeface="Open Sans"/>
+                <a:sym typeface="Open Sans"/>
+              </a:rPr>
+              <a:t>Or </a:t>
+            </a:r>
             <a:r>
               <a:rPr lang="en" sz="1800" b="0" i="0" u="none" strike="noStrike" cap="none" dirty="0">
                 <a:solidFill>
-                  <a:schemeClr val="dk2"/>
-                </a:solidFill>
-                <a:latin typeface="Open Sans"/>
-                <a:ea typeface="Open Sans"/>
-                <a:cs typeface="Open Sans"/>
-                <a:sym typeface="Open Sans"/>
-              </a:rPr>
-              <a:t>Associates style rules with HTML elements, and dictates how they’re displayed</a:t>
-            </a:r>
-          </a:p>
-          <a:p>
-            <a:pPr marL="0" marR="0" lvl="0" indent="0" algn="l" rtl="0">
-              <a:lnSpc>
-                <a:spcPct val="115000"/>
-              </a:lnSpc>
-              <a:spcBef>
-                <a:spcPts val="1600"/>
-              </a:spcBef>
-              <a:spcAft>
-                <a:spcPts val="0"/>
-              </a:spcAft>
-              <a:buClr>
-                <a:schemeClr val="dk2"/>
-              </a:buClr>
-              <a:buSzPct val="25000"/>
-              <a:buFont typeface="Open Sans"/>
-              <a:buNone/>
-            </a:pPr>
-            <a:r>
-              <a:rPr lang="en" sz="1800" b="0" i="0" u="none" strike="noStrike" cap="none" dirty="0">
-                <a:solidFill>
-                  <a:schemeClr val="accent4"/>
-                </a:solidFill>
-                <a:latin typeface="Open Sans"/>
-                <a:ea typeface="Open Sans"/>
-                <a:cs typeface="Open Sans"/>
-                <a:sym typeface="Open Sans"/>
-              </a:rPr>
-              <a:t>Can be defined in an HTML document inside a &lt;style&gt; tag inside the &lt;head&gt;:</a:t>
-            </a:r>
-          </a:p>
-          <a:p>
-            <a:pPr marL="457200" marR="0" lvl="0" indent="0" algn="l" rtl="0">
+                  <a:srgbClr val="695D46"/>
+                </a:solidFill>
+                <a:latin typeface="Open Sans"/>
+                <a:ea typeface="Open Sans"/>
+                <a:cs typeface="Open Sans"/>
+                <a:sym typeface="Open Sans"/>
+              </a:rPr>
+              <a:t>it can be defined in-line with the HTML</a:t>
+            </a:r>
+            <a:r>
+              <a:rPr lang="en" sz="1800" b="0" i="0" u="none" strike="noStrike" cap="none" dirty="0" smtClean="0">
+                <a:solidFill>
+                  <a:srgbClr val="695D46"/>
+                </a:solidFill>
+                <a:latin typeface="Open Sans"/>
+                <a:ea typeface="Open Sans"/>
+                <a:cs typeface="Open Sans"/>
+                <a:sym typeface="Open Sans"/>
+              </a:rPr>
+              <a:t>:</a:t>
+            </a:r>
+            <a:endParaRPr lang="en-US" sz="1800" b="0" i="0" u="none" strike="noStrike" cap="none" dirty="0" smtClean="0">
+              <a:solidFill>
+                <a:srgbClr val="695D46"/>
+              </a:solidFill>
+              <a:latin typeface="Open Sans"/>
+              <a:ea typeface="Open Sans"/>
+              <a:cs typeface="Open Sans"/>
+              <a:sym typeface="Open Sans"/>
+            </a:endParaRPr>
+          </a:p>
+          <a:p>
+            <a:pPr marL="139700">
               <a:lnSpc>
                 <a:spcPct val="100000"/>
               </a:lnSpc>
-              <a:spcBef>
-                <a:spcPts val="0"/>
-              </a:spcBef>
-              <a:spcAft>
-                <a:spcPts val="0"/>
-              </a:spcAft>
-              <a:buClr>
-                <a:schemeClr val="dk2"/>
-              </a:buClr>
-              <a:buSzPct val="25000"/>
-              <a:buFont typeface="Open Sans"/>
-              <a:buNone/>
-            </a:pPr>
+              <a:spcAft>
+                <a:spcPts val="0"/>
+              </a:spcAft>
+              <a:buSzPct val="100000"/>
+            </a:pPr>
+            <a:r>
+              <a:rPr lang="en-US" sz="1400" dirty="0" smtClean="0">
+                <a:solidFill>
+                  <a:srgbClr val="695D46"/>
+                </a:solidFill>
+              </a:rPr>
+              <a:t>      </a:t>
+            </a:r>
+            <a:r>
+              <a:rPr lang="en" sz="1400" dirty="0" smtClean="0"/>
+              <a:t>&lt;</a:t>
+            </a:r>
+            <a:r>
+              <a:rPr lang="en" sz="1400" dirty="0"/>
+              <a:t>div style=”background-color: red;”&gt;&lt;/div</a:t>
+            </a:r>
+            <a:r>
+              <a:rPr lang="en" sz="1400" dirty="0" smtClean="0"/>
+              <a:t>&gt;</a:t>
+            </a:r>
+            <a:endParaRPr lang="en-US" sz="1400" b="0" i="0" u="none" strike="noStrike" cap="none" dirty="0" smtClean="0">
+              <a:solidFill>
+                <a:srgbClr val="695D46"/>
+              </a:solidFill>
+              <a:sym typeface="Open Sans"/>
+            </a:endParaRPr>
+          </a:p>
+          <a:p>
+            <a:pPr marL="457200" indent="-317500">
+              <a:lnSpc>
+                <a:spcPct val="100000"/>
+              </a:lnSpc>
+              <a:spcAft>
+                <a:spcPts val="0"/>
+              </a:spcAft>
+              <a:buSzPct val="100000"/>
+              <a:buFont typeface="Open Sans"/>
+              <a:buChar char="●"/>
+            </a:pPr>
+            <a:r>
+              <a:rPr lang="en" dirty="0">
+                <a:solidFill>
+                  <a:srgbClr val="695D46"/>
+                </a:solidFill>
+              </a:rPr>
+              <a:t>Or it can even be pulled into an HTML document from a file externally:</a:t>
+            </a:r>
+          </a:p>
+          <a:p>
+            <a:pPr marL="139700" marR="0" lvl="0" algn="l" rtl="0">
+              <a:lnSpc>
+                <a:spcPct val="100000"/>
+              </a:lnSpc>
+              <a:spcBef>
+                <a:spcPts val="0"/>
+              </a:spcBef>
+              <a:spcAft>
+                <a:spcPts val="0"/>
+              </a:spcAft>
+              <a:buClr>
+                <a:schemeClr val="dk2"/>
+              </a:buClr>
+              <a:buSzPct val="100000"/>
+            </a:pPr>
+            <a:r>
+              <a:rPr lang="en-US" sz="1400" dirty="0"/>
+              <a:t> </a:t>
+            </a:r>
+            <a:r>
+              <a:rPr lang="en-US" sz="1400" dirty="0" smtClean="0"/>
+              <a:t>     </a:t>
+            </a:r>
+            <a:r>
+              <a:rPr lang="en" sz="1400" b="0" i="0" u="none" strike="noStrike" cap="none" dirty="0" smtClean="0">
+                <a:solidFill>
+                  <a:schemeClr val="dk2"/>
+                </a:solidFill>
+                <a:latin typeface="Open Sans"/>
+                <a:ea typeface="Open Sans"/>
+                <a:cs typeface="Open Sans"/>
+                <a:sym typeface="Open Sans"/>
+              </a:rPr>
+              <a:t>&lt;</a:t>
+            </a:r>
             <a:r>
               <a:rPr lang="en" sz="1400" b="0" i="0" u="none" strike="noStrike" cap="none" dirty="0">
                 <a:solidFill>
@@ -12962,341 +13489,7 @@
                 <a:cs typeface="Open Sans"/>
                 <a:sym typeface="Open Sans"/>
               </a:rPr>
-              <a:t>&lt;head&gt;</a:t>
-            </a:r>
-          </a:p>
-          <a:p>
-            <a:pPr marL="457200" marR="0" lvl="0" indent="0" algn="l" rtl="0">
-              <a:lnSpc>
-                <a:spcPct val="100000"/>
-              </a:lnSpc>
-              <a:spcBef>
-                <a:spcPts val="0"/>
-              </a:spcBef>
-              <a:spcAft>
-                <a:spcPts val="0"/>
-              </a:spcAft>
-              <a:buClr>
-                <a:schemeClr val="dk2"/>
-              </a:buClr>
-              <a:buSzPct val="25000"/>
-              <a:buFont typeface="Open Sans"/>
-              <a:buNone/>
-            </a:pPr>
-            <a:r>
-              <a:rPr lang="en" sz="1400" b="0" i="0" u="none" strike="noStrike" cap="none" dirty="0">
-                <a:solidFill>
-                  <a:schemeClr val="dk2"/>
-                </a:solidFill>
-                <a:latin typeface="Open Sans"/>
-                <a:ea typeface="Open Sans"/>
-                <a:cs typeface="Open Sans"/>
-                <a:sym typeface="Open Sans"/>
-              </a:rPr>
-              <a:t>     &lt;style&gt;			</a:t>
-            </a:r>
-            <a:r>
-              <a:rPr lang="en" sz="1400" b="0" i="0" u="none" strike="noStrike" cap="none" dirty="0" smtClean="0">
-                <a:solidFill>
-                  <a:schemeClr val="dk2"/>
-                </a:solidFill>
-                <a:latin typeface="Open Sans"/>
-                <a:ea typeface="Open Sans"/>
-                <a:cs typeface="Open Sans"/>
-                <a:sym typeface="Open Sans"/>
-              </a:rPr>
-              <a:t>&lt;!-- </a:t>
-            </a:r>
-            <a:r>
-              <a:rPr lang="en" sz="1400" b="0" i="0" u="none" strike="noStrike" cap="none" dirty="0">
-                <a:solidFill>
-                  <a:schemeClr val="dk2"/>
-                </a:solidFill>
-                <a:latin typeface="Open Sans"/>
-                <a:ea typeface="Open Sans"/>
-                <a:cs typeface="Open Sans"/>
-                <a:sym typeface="Open Sans"/>
-              </a:rPr>
-              <a:t>CSS goes inside this tag --&gt;</a:t>
-            </a:r>
-          </a:p>
-          <a:p>
-            <a:pPr marL="457200" marR="0" lvl="0" indent="0" algn="l" rtl="0">
-              <a:lnSpc>
-                <a:spcPct val="100000"/>
-              </a:lnSpc>
-              <a:spcBef>
-                <a:spcPts val="0"/>
-              </a:spcBef>
-              <a:spcAft>
-                <a:spcPts val="0"/>
-              </a:spcAft>
-              <a:buClr>
-                <a:schemeClr val="dk2"/>
-              </a:buClr>
-              <a:buSzPct val="25000"/>
-              <a:buFont typeface="Open Sans"/>
-              <a:buNone/>
-            </a:pPr>
-            <a:r>
-              <a:rPr lang="en" sz="1400" b="0" i="0" u="none" strike="noStrike" cap="none" dirty="0">
-                <a:solidFill>
-                  <a:schemeClr val="dk2"/>
-                </a:solidFill>
-                <a:latin typeface="Open Sans"/>
-                <a:ea typeface="Open Sans"/>
-                <a:cs typeface="Open Sans"/>
-                <a:sym typeface="Open Sans"/>
-              </a:rPr>
-              <a:t>          #my-div {			&lt;!-- defining styling for the element with id “my_div” --&gt;</a:t>
-            </a:r>
-          </a:p>
-          <a:p>
-            <a:pPr marL="914400" marR="0" lvl="0" indent="0" algn="l" rtl="0">
-              <a:lnSpc>
-                <a:spcPct val="100000"/>
-              </a:lnSpc>
-              <a:spcBef>
-                <a:spcPts val="0"/>
-              </a:spcBef>
-              <a:spcAft>
-                <a:spcPts val="0"/>
-              </a:spcAft>
-              <a:buClr>
-                <a:schemeClr val="dk2"/>
-              </a:buClr>
-              <a:buSzPct val="25000"/>
-              <a:buFont typeface="Open Sans"/>
-              <a:buNone/>
-            </a:pPr>
-            <a:r>
-              <a:rPr lang="en" sz="1400" b="0" i="0" u="none" strike="noStrike" cap="none" dirty="0">
-                <a:solidFill>
-                  <a:schemeClr val="dk2"/>
-                </a:solidFill>
-                <a:latin typeface="Open Sans"/>
-                <a:ea typeface="Open Sans"/>
-                <a:cs typeface="Open Sans"/>
-                <a:sym typeface="Open Sans"/>
-              </a:rPr>
-              <a:t>     color: blue;		&lt;!-- make the text color blue --&gt;</a:t>
-            </a:r>
-          </a:p>
-          <a:p>
-            <a:pPr marL="457200" marR="0" lvl="0" indent="0" algn="l" rtl="0">
-              <a:lnSpc>
-                <a:spcPct val="100000"/>
-              </a:lnSpc>
-              <a:spcBef>
-                <a:spcPts val="0"/>
-              </a:spcBef>
-              <a:spcAft>
-                <a:spcPts val="0"/>
-              </a:spcAft>
-              <a:buClr>
-                <a:schemeClr val="dk2"/>
-              </a:buClr>
-              <a:buSzPct val="25000"/>
-              <a:buFont typeface="Open Sans"/>
-              <a:buNone/>
-            </a:pPr>
-            <a:r>
-              <a:rPr lang="en" sz="1400" b="0" i="0" u="none" strike="noStrike" cap="none" dirty="0">
-                <a:solidFill>
-                  <a:schemeClr val="dk2"/>
-                </a:solidFill>
-                <a:latin typeface="Open Sans"/>
-                <a:ea typeface="Open Sans"/>
-                <a:cs typeface="Open Sans"/>
-                <a:sym typeface="Open Sans"/>
-              </a:rPr>
-              <a:t>          }</a:t>
-            </a:r>
-          </a:p>
-          <a:p>
-            <a:pPr marL="457200" marR="0" lvl="0" indent="0" algn="l" rtl="0">
-              <a:lnSpc>
-                <a:spcPct val="100000"/>
-              </a:lnSpc>
-              <a:spcBef>
-                <a:spcPts val="0"/>
-              </a:spcBef>
-              <a:spcAft>
-                <a:spcPts val="0"/>
-              </a:spcAft>
-              <a:buClr>
-                <a:schemeClr val="dk2"/>
-              </a:buClr>
-              <a:buSzPct val="25000"/>
-              <a:buFont typeface="Open Sans"/>
-              <a:buNone/>
-            </a:pPr>
-            <a:r>
-              <a:rPr lang="en" sz="1400" b="0" i="0" u="none" strike="noStrike" cap="none" dirty="0">
-                <a:solidFill>
-                  <a:schemeClr val="dk2"/>
-                </a:solidFill>
-                <a:latin typeface="Open Sans"/>
-                <a:ea typeface="Open Sans"/>
-                <a:cs typeface="Open Sans"/>
-                <a:sym typeface="Open Sans"/>
-              </a:rPr>
-              <a:t>     &lt;/style&gt;</a:t>
-            </a:r>
-          </a:p>
-          <a:p>
-            <a:pPr marL="457200" marR="0" lvl="0" indent="0" algn="l" rtl="0">
-              <a:lnSpc>
-                <a:spcPct val="100000"/>
-              </a:lnSpc>
-              <a:spcBef>
-                <a:spcPts val="0"/>
-              </a:spcBef>
-              <a:spcAft>
-                <a:spcPts val="0"/>
-              </a:spcAft>
-              <a:buClr>
-                <a:schemeClr val="dk2"/>
-              </a:buClr>
-              <a:buSzPct val="25000"/>
-              <a:buFont typeface="Open Sans"/>
-              <a:buNone/>
-            </a:pPr>
-            <a:r>
-              <a:rPr lang="en" sz="1400" b="0" i="0" u="none" strike="noStrike" cap="none" dirty="0">
-                <a:solidFill>
-                  <a:schemeClr val="dk2"/>
-                </a:solidFill>
-                <a:latin typeface="Open Sans"/>
-                <a:ea typeface="Open Sans"/>
-                <a:cs typeface="Open Sans"/>
-                <a:sym typeface="Open Sans"/>
-              </a:rPr>
-              <a:t>&lt;/head&gt;</a:t>
-            </a:r>
-          </a:p>
-          <a:p>
-            <a:pPr marL="0" marR="0" lvl="0" indent="0" algn="l" rtl="0">
-              <a:lnSpc>
-                <a:spcPct val="100000"/>
-              </a:lnSpc>
-              <a:spcBef>
-                <a:spcPts val="1000"/>
-              </a:spcBef>
-              <a:spcAft>
-                <a:spcPts val="0"/>
-              </a:spcAft>
-              <a:buClr>
-                <a:schemeClr val="dk2"/>
-              </a:buClr>
-              <a:buSzPct val="25000"/>
-              <a:buFont typeface="Open Sans"/>
-              <a:buNone/>
-            </a:pPr>
-            <a:r>
-              <a:rPr lang="en" sz="1800" b="0" i="0" u="none" strike="noStrike" cap="none" dirty="0">
-                <a:solidFill>
-                  <a:srgbClr val="980000"/>
-                </a:solidFill>
-                <a:latin typeface="Open Sans"/>
-                <a:ea typeface="Open Sans"/>
-                <a:cs typeface="Open Sans"/>
-                <a:sym typeface="Open Sans"/>
-              </a:rPr>
-              <a:t>Or it can be defined in-line with the HTML:</a:t>
-            </a:r>
-          </a:p>
-          <a:p>
-            <a:pPr marL="457200" marR="0" lvl="0" indent="-228600" algn="l" rtl="0">
-              <a:lnSpc>
-                <a:spcPct val="100000"/>
-              </a:lnSpc>
-              <a:spcBef>
-                <a:spcPts val="0"/>
-              </a:spcBef>
-              <a:spcAft>
-                <a:spcPts val="0"/>
-              </a:spcAft>
-              <a:buClr>
-                <a:schemeClr val="dk2"/>
-              </a:buClr>
-              <a:buSzPct val="100000"/>
-              <a:buFont typeface="Open Sans"/>
-              <a:buChar char="●"/>
-            </a:pPr>
-            <a:r>
-              <a:rPr lang="en" sz="1400" b="0" i="0" u="none" strike="noStrike" cap="none" dirty="0">
-                <a:solidFill>
-                  <a:schemeClr val="dk2"/>
-                </a:solidFill>
-                <a:latin typeface="Open Sans"/>
-                <a:ea typeface="Open Sans"/>
-                <a:cs typeface="Open Sans"/>
-                <a:sym typeface="Open Sans"/>
-              </a:rPr>
-              <a:t>&lt;div style=”background-color: red;”&gt;&lt;/div&gt;</a:t>
-            </a:r>
-          </a:p>
-          <a:p>
-            <a:pPr marL="0" marR="0" lvl="0" indent="0" algn="l" rtl="0">
-              <a:lnSpc>
-                <a:spcPct val="115000"/>
-              </a:lnSpc>
-              <a:spcBef>
-                <a:spcPts val="1000"/>
-              </a:spcBef>
-              <a:spcAft>
-                <a:spcPts val="0"/>
-              </a:spcAft>
-              <a:buClr>
-                <a:schemeClr val="dk2"/>
-              </a:buClr>
-              <a:buSzPct val="25000"/>
-              <a:buFont typeface="Open Sans"/>
-              <a:buNone/>
-            </a:pPr>
-            <a:r>
-              <a:rPr lang="en" sz="1800" b="0" i="0" u="none" strike="noStrike" cap="none" dirty="0">
-                <a:solidFill>
-                  <a:schemeClr val="accent2"/>
-                </a:solidFill>
-                <a:latin typeface="Open Sans"/>
-                <a:ea typeface="Open Sans"/>
-                <a:cs typeface="Open Sans"/>
-                <a:sym typeface="Open Sans"/>
-              </a:rPr>
-              <a:t>Or it can even be pulled into an HTML document from a file externally:</a:t>
-            </a:r>
-          </a:p>
-          <a:p>
-            <a:pPr marL="457200" marR="0" lvl="0" indent="-317500" algn="l" rtl="0">
-              <a:lnSpc>
-                <a:spcPct val="115000"/>
-              </a:lnSpc>
-              <a:spcBef>
-                <a:spcPts val="0"/>
-              </a:spcBef>
-              <a:spcAft>
-                <a:spcPts val="0"/>
-              </a:spcAft>
-              <a:buClr>
-                <a:schemeClr val="dk2"/>
-              </a:buClr>
-              <a:buSzPct val="100000"/>
-              <a:buFont typeface="Open Sans"/>
-              <a:buChar char="●"/>
-            </a:pPr>
-            <a:r>
-              <a:rPr lang="en" sz="1400" b="0" i="0" u="none" strike="noStrike" cap="none" dirty="0">
-                <a:solidFill>
-                  <a:schemeClr val="dk2"/>
-                </a:solidFill>
-                <a:latin typeface="Open Sans"/>
-                <a:ea typeface="Open Sans"/>
-                <a:cs typeface="Open Sans"/>
-                <a:sym typeface="Open Sans"/>
-              </a:rPr>
-              <a:t>&lt;link href=”css/styles.css” type=”text/css” rel=”stylesheet” /&gt;</a:t>
+              <a:t>link href=”css/styles.css” type=”text/css” rel=”stylesheet” /&gt;</a:t>
             </a:r>
           </a:p>
         </p:txBody>
@@ -14620,7 +14813,7 @@
           <a:p>
             <a:pPr marR="0" lvl="0" algn="l" rtl="0">
               <a:lnSpc>
-                <a:spcPct val="115000"/>
+                <a:spcPct val="120000"/>
               </a:lnSpc>
               <a:spcBef>
                 <a:spcPts val="0"/>
@@ -14631,14 +14824,14 @@
               <a:buNone/>
             </a:pPr>
             <a:r>
-              <a:rPr lang="en"/>
+              <a:rPr lang="en" dirty="0"/>
               <a:t>In the previous slide, you’ve seen IDs and classes defined for HTML elements. This is so we can use CSS selectors to apply styling to particular elements. What’s the difference between the IDs and classes?</a:t>
             </a:r>
           </a:p>
           <a:p>
             <a:pPr marL="457200" marR="0" lvl="0" indent="-203200" algn="l" rtl="0">
               <a:lnSpc>
-                <a:spcPct val="100000"/>
+                <a:spcPct val="120000"/>
               </a:lnSpc>
               <a:spcBef>
                 <a:spcPts val="0"/>
@@ -14654,186 +14847,273 @@
               <a:buChar char="●"/>
             </a:pPr>
             <a:r>
-              <a:rPr lang="en" sz="1400" b="0" i="0" u="none" strike="noStrike" cap="none">
-                <a:solidFill>
-                  <a:schemeClr val="dk2"/>
-                </a:solidFill>
-                <a:latin typeface="Open Sans"/>
-                <a:ea typeface="Open Sans"/>
-                <a:cs typeface="Open Sans"/>
-                <a:sym typeface="Open Sans"/>
-              </a:rPr>
-              <a:t>ID: there should only be one of any given ID</a:t>
-            </a:r>
-          </a:p>
-          <a:p>
-            <a:pPr marR="0" lvl="0" algn="l" rtl="0">
-              <a:lnSpc>
-                <a:spcPct val="100000"/>
-              </a:lnSpc>
-              <a:spcBef>
-                <a:spcPts val="0"/>
-              </a:spcBef>
-              <a:spcAft>
-                <a:spcPts val="0"/>
-              </a:spcAft>
-              <a:buNone/>
-            </a:pPr>
-            <a:endParaRPr sz="1400"/>
-          </a:p>
-          <a:p>
-            <a:pPr marR="0" lvl="1" algn="l" rtl="0">
-              <a:lnSpc>
-                <a:spcPct val="100000"/>
-              </a:lnSpc>
-              <a:spcBef>
-                <a:spcPts val="0"/>
-              </a:spcBef>
-              <a:spcAft>
-                <a:spcPts val="0"/>
-              </a:spcAft>
-              <a:buClr>
-                <a:schemeClr val="dk2"/>
-              </a:buClr>
+              <a:rPr lang="en" sz="1400" b="0" i="0" u="none" strike="noStrike" cap="none" dirty="0">
+                <a:solidFill>
+                  <a:schemeClr val="dk2"/>
+                </a:solidFill>
+                <a:latin typeface="Open Sans"/>
+                <a:ea typeface="Open Sans"/>
+                <a:cs typeface="Open Sans"/>
+                <a:sym typeface="Open Sans"/>
+              </a:rPr>
+              <a:t>ID: there should only be one of any given </a:t>
+            </a:r>
+            <a:r>
+              <a:rPr lang="en" sz="1400" b="0" i="0" u="none" strike="noStrike" cap="none" dirty="0" smtClean="0">
+                <a:solidFill>
+                  <a:schemeClr val="dk2"/>
+                </a:solidFill>
+                <a:latin typeface="Open Sans"/>
+                <a:ea typeface="Open Sans"/>
+                <a:cs typeface="Open Sans"/>
+                <a:sym typeface="Open Sans"/>
+              </a:rPr>
+              <a:t>ID</a:t>
+            </a:r>
+            <a:endParaRPr lang="en-US" sz="1400" dirty="0" smtClean="0"/>
+          </a:p>
+          <a:p>
+            <a:pPr marL="914400" lvl="1" indent="-203200">
+              <a:lnSpc>
+                <a:spcPct val="120000"/>
+              </a:lnSpc>
+              <a:spcAft>
+                <a:spcPts val="0"/>
+              </a:spcAft>
               <a:buSzPct val="100000"/>
               <a:buFont typeface="Open Sans"/>
-              <a:buChar char="○"/>
-            </a:pPr>
-            <a:r>
-              <a:rPr lang="en" sz="1400" b="0" i="0" u="none" strike="noStrike" cap="none">
-                <a:solidFill>
-                  <a:schemeClr val="dk2"/>
-                </a:solidFill>
-                <a:latin typeface="Open Sans"/>
-                <a:ea typeface="Open Sans"/>
-                <a:cs typeface="Open Sans"/>
-                <a:sym typeface="Open Sans"/>
-              </a:rPr>
-              <a:t>IDs are used for uniquely identifying elements</a:t>
-            </a:r>
-          </a:p>
-          <a:p>
-            <a:pPr marL="457200" marR="0" lvl="0" indent="-203200" algn="l" rtl="0">
-              <a:lnSpc>
-                <a:spcPct val="100000"/>
-              </a:lnSpc>
-              <a:spcBef>
-                <a:spcPts val="1600"/>
-              </a:spcBef>
-              <a:spcAft>
-                <a:spcPts val="0"/>
-              </a:spcAft>
-              <a:buClr>
-                <a:schemeClr val="dk2"/>
-              </a:buClr>
+              <a:buChar char="●"/>
+            </a:pPr>
+            <a:r>
+              <a:rPr lang="en" b="0" i="0" u="none" strike="noStrike" cap="none" dirty="0" smtClean="0">
+                <a:solidFill>
+                  <a:schemeClr val="dk2"/>
+                </a:solidFill>
+                <a:latin typeface="Open Sans"/>
+                <a:ea typeface="Open Sans"/>
+                <a:cs typeface="Open Sans"/>
+                <a:sym typeface="Open Sans"/>
+              </a:rPr>
+              <a:t>IDs </a:t>
+            </a:r>
+            <a:r>
+              <a:rPr lang="en" b="0" i="0" u="none" strike="noStrike" cap="none" dirty="0">
+                <a:solidFill>
+                  <a:schemeClr val="dk2"/>
+                </a:solidFill>
+                <a:latin typeface="Open Sans"/>
+                <a:ea typeface="Open Sans"/>
+                <a:cs typeface="Open Sans"/>
+                <a:sym typeface="Open Sans"/>
+              </a:rPr>
+              <a:t>are used for uniquely identifying </a:t>
+            </a:r>
+            <a:r>
+              <a:rPr lang="en" b="0" i="0" u="none" strike="noStrike" cap="none" dirty="0" smtClean="0">
+                <a:solidFill>
+                  <a:schemeClr val="dk2"/>
+                </a:solidFill>
+                <a:latin typeface="Open Sans"/>
+                <a:ea typeface="Open Sans"/>
+                <a:cs typeface="Open Sans"/>
+                <a:sym typeface="Open Sans"/>
+              </a:rPr>
+              <a:t>elements</a:t>
+            </a:r>
+            <a:endParaRPr lang="en-US" dirty="0"/>
+          </a:p>
+          <a:p>
+            <a:pPr marL="457200" indent="-203200">
+              <a:lnSpc>
+                <a:spcPct val="120000"/>
+              </a:lnSpc>
+              <a:spcAft>
+                <a:spcPts val="0"/>
+              </a:spcAft>
               <a:buSzPct val="100000"/>
               <a:buFont typeface="Open Sans"/>
               <a:buChar char="●"/>
             </a:pPr>
             <a:r>
-              <a:rPr lang="en" sz="1400" b="0" i="0" u="none" strike="noStrike" cap="none">
-                <a:solidFill>
-                  <a:schemeClr val="dk2"/>
-                </a:solidFill>
-                <a:latin typeface="Open Sans"/>
-                <a:ea typeface="Open Sans"/>
-                <a:cs typeface="Open Sans"/>
-                <a:sym typeface="Open Sans"/>
-              </a:rPr>
-              <a:t>Classes: can be used across multiple elements</a:t>
-            </a:r>
-          </a:p>
-          <a:p>
-            <a:pPr marR="0" lvl="1" algn="l" rtl="0">
-              <a:lnSpc>
-                <a:spcPct val="100000"/>
-              </a:lnSpc>
-              <a:spcBef>
-                <a:spcPts val="1600"/>
-              </a:spcBef>
-              <a:spcAft>
-                <a:spcPts val="0"/>
-              </a:spcAft>
-              <a:buClr>
-                <a:schemeClr val="dk2"/>
-              </a:buClr>
+              <a:rPr lang="en" sz="1400" b="0" i="0" u="none" strike="noStrike" cap="none" dirty="0" smtClean="0">
+                <a:solidFill>
+                  <a:schemeClr val="dk2"/>
+                </a:solidFill>
+                <a:sym typeface="Open Sans"/>
+              </a:rPr>
+              <a:t>Classes</a:t>
+            </a:r>
+            <a:r>
+              <a:rPr lang="en" sz="1400" b="0" i="0" u="none" strike="noStrike" cap="none" dirty="0">
+                <a:solidFill>
+                  <a:schemeClr val="dk2"/>
+                </a:solidFill>
+                <a:sym typeface="Open Sans"/>
+              </a:rPr>
+              <a:t>: can be used across multiple </a:t>
+            </a:r>
+            <a:r>
+              <a:rPr lang="en" sz="1400" b="0" i="0" u="none" strike="noStrike" cap="none" dirty="0" smtClean="0">
+                <a:solidFill>
+                  <a:schemeClr val="dk2"/>
+                </a:solidFill>
+                <a:sym typeface="Open Sans"/>
+              </a:rPr>
+              <a:t>elements</a:t>
+            </a:r>
+            <a:endParaRPr lang="en-US" sz="1400" dirty="0" smtClean="0"/>
+          </a:p>
+          <a:p>
+            <a:pPr marL="914400" lvl="1" indent="-203200">
+              <a:lnSpc>
+                <a:spcPct val="120000"/>
+              </a:lnSpc>
+              <a:spcAft>
+                <a:spcPts val="0"/>
+              </a:spcAft>
               <a:buSzPct val="100000"/>
               <a:buFont typeface="Open Sans"/>
-              <a:buChar char="○"/>
-            </a:pPr>
-            <a:r>
-              <a:rPr lang="en" sz="1400" b="0" i="0" u="none" strike="noStrike" cap="none">
-                <a:solidFill>
-                  <a:schemeClr val="dk2"/>
-                </a:solidFill>
-                <a:latin typeface="Open Sans"/>
-                <a:ea typeface="Open Sans"/>
-                <a:cs typeface="Open Sans"/>
-                <a:sym typeface="Open Sans"/>
-              </a:rPr>
-              <a:t>Classes should reused to group elements</a:t>
-            </a:r>
-          </a:p>
-          <a:p>
-            <a:pPr marL="457200" marR="0" lvl="0" indent="-203200" algn="l" rtl="0">
-              <a:lnSpc>
-                <a:spcPct val="100000"/>
-              </a:lnSpc>
-              <a:spcBef>
-                <a:spcPts val="1600"/>
-              </a:spcBef>
-              <a:spcAft>
-                <a:spcPts val="0"/>
-              </a:spcAft>
-              <a:buClr>
-                <a:schemeClr val="dk2"/>
-              </a:buClr>
+              <a:buChar char="●"/>
+            </a:pPr>
+            <a:r>
+              <a:rPr lang="en" b="0" i="0" u="none" strike="noStrike" cap="none" dirty="0" smtClean="0">
+                <a:solidFill>
+                  <a:schemeClr val="dk2"/>
+                </a:solidFill>
+                <a:latin typeface="Open Sans"/>
+                <a:ea typeface="Open Sans"/>
+                <a:cs typeface="Open Sans"/>
+                <a:sym typeface="Open Sans"/>
+              </a:rPr>
+              <a:t>Classes </a:t>
+            </a:r>
+            <a:r>
+              <a:rPr lang="en" b="0" i="0" u="none" strike="noStrike" cap="none" dirty="0">
+                <a:solidFill>
+                  <a:schemeClr val="dk2"/>
+                </a:solidFill>
+                <a:latin typeface="Open Sans"/>
+                <a:ea typeface="Open Sans"/>
+                <a:cs typeface="Open Sans"/>
+                <a:sym typeface="Open Sans"/>
+              </a:rPr>
+              <a:t>should reused to group </a:t>
+            </a:r>
+            <a:r>
+              <a:rPr lang="en" b="0" i="0" u="none" strike="noStrike" cap="none" dirty="0" smtClean="0">
+                <a:solidFill>
+                  <a:schemeClr val="dk2"/>
+                </a:solidFill>
+                <a:latin typeface="Open Sans"/>
+                <a:ea typeface="Open Sans"/>
+                <a:cs typeface="Open Sans"/>
+                <a:sym typeface="Open Sans"/>
+              </a:rPr>
+              <a:t>elements</a:t>
+            </a:r>
+            <a:endParaRPr lang="en-US" b="0" i="0" u="none" strike="noStrike" cap="none" dirty="0" smtClean="0">
+              <a:solidFill>
+                <a:schemeClr val="dk2"/>
+              </a:solidFill>
+              <a:latin typeface="Open Sans"/>
+              <a:ea typeface="Open Sans"/>
+              <a:cs typeface="Open Sans"/>
+              <a:sym typeface="Open Sans"/>
+            </a:endParaRPr>
+          </a:p>
+          <a:p>
+            <a:pPr marL="457200" indent="-203200">
+              <a:lnSpc>
+                <a:spcPct val="120000"/>
+              </a:lnSpc>
+              <a:spcAft>
+                <a:spcPts val="0"/>
+              </a:spcAft>
               <a:buSzPct val="100000"/>
               <a:buFont typeface="Open Sans"/>
               <a:buChar char="●"/>
             </a:pPr>
             <a:r>
-              <a:rPr lang="en" sz="1400" b="0" i="0" u="none" strike="noStrike" cap="none">
-                <a:solidFill>
-                  <a:schemeClr val="dk2"/>
-                </a:solidFill>
-                <a:latin typeface="Open Sans"/>
-                <a:ea typeface="Open Sans"/>
-                <a:cs typeface="Open Sans"/>
-                <a:sym typeface="Open Sans"/>
-              </a:rPr>
-              <a:t>Ideally, styles should be reusable across elements</a:t>
-            </a:r>
-          </a:p>
-          <a:p>
-            <a:pPr marL="457200" marR="0" lvl="0" indent="-203200" algn="l" rtl="0">
-              <a:lnSpc>
-                <a:spcPct val="100000"/>
-              </a:lnSpc>
-              <a:spcBef>
-                <a:spcPts val="1600"/>
-              </a:spcBef>
-              <a:spcAft>
-                <a:spcPts val="0"/>
-              </a:spcAft>
-              <a:buClr>
-                <a:schemeClr val="dk2"/>
-              </a:buClr>
+              <a:rPr lang="en" sz="1400" b="0" i="0" u="none" strike="noStrike" cap="none" dirty="0" smtClean="0">
+                <a:solidFill>
+                  <a:schemeClr val="dk2"/>
+                </a:solidFill>
+                <a:latin typeface="Open Sans"/>
+                <a:ea typeface="Open Sans"/>
+                <a:cs typeface="Open Sans"/>
+                <a:sym typeface="Open Sans"/>
+              </a:rPr>
+              <a:t>Ideally</a:t>
+            </a:r>
+            <a:r>
+              <a:rPr lang="en" sz="1400" b="0" i="0" u="none" strike="noStrike" cap="none" dirty="0">
+                <a:solidFill>
+                  <a:schemeClr val="dk2"/>
+                </a:solidFill>
+                <a:latin typeface="Open Sans"/>
+                <a:ea typeface="Open Sans"/>
+                <a:cs typeface="Open Sans"/>
+                <a:sym typeface="Open Sans"/>
+              </a:rPr>
+              <a:t>, styles should be reusable across </a:t>
+            </a:r>
+            <a:r>
+              <a:rPr lang="en" sz="1400" b="0" i="0" u="none" strike="noStrike" cap="none" dirty="0" smtClean="0">
+                <a:solidFill>
+                  <a:schemeClr val="dk2"/>
+                </a:solidFill>
+                <a:latin typeface="Open Sans"/>
+                <a:ea typeface="Open Sans"/>
+                <a:cs typeface="Open Sans"/>
+                <a:sym typeface="Open Sans"/>
+              </a:rPr>
+              <a:t>elements</a:t>
+            </a:r>
+            <a:endParaRPr lang="en-US" sz="1400" b="0" i="0" u="none" strike="noStrike" cap="none" dirty="0" smtClean="0">
+              <a:solidFill>
+                <a:schemeClr val="dk2"/>
+              </a:solidFill>
+              <a:latin typeface="Open Sans"/>
+              <a:ea typeface="Open Sans"/>
+              <a:cs typeface="Open Sans"/>
+              <a:sym typeface="Open Sans"/>
+            </a:endParaRPr>
+          </a:p>
+          <a:p>
+            <a:pPr marL="457200" indent="-203200">
+              <a:lnSpc>
+                <a:spcPct val="120000"/>
+              </a:lnSpc>
+              <a:spcAft>
+                <a:spcPts val="0"/>
+              </a:spcAft>
               <a:buSzPct val="100000"/>
               <a:buFont typeface="Open Sans"/>
               <a:buChar char="●"/>
             </a:pPr>
             <a:r>
-              <a:rPr lang="en" sz="1400" b="0" i="0" u="none" strike="noStrike" cap="none">
-                <a:solidFill>
-                  <a:schemeClr val="dk2"/>
-                </a:solidFill>
-                <a:latin typeface="Open Sans"/>
-                <a:ea typeface="Open Sans"/>
-                <a:cs typeface="Open Sans"/>
-                <a:sym typeface="Open Sans"/>
-              </a:rPr>
-              <a:t>Best practice is to use classes for styling</a:t>
+              <a:rPr lang="en" sz="1400" b="0" i="0" u="none" strike="noStrike" cap="none" dirty="0" smtClean="0">
+                <a:solidFill>
+                  <a:schemeClr val="dk2"/>
+                </a:solidFill>
+                <a:latin typeface="Open Sans"/>
+                <a:ea typeface="Open Sans"/>
+                <a:cs typeface="Open Sans"/>
+                <a:sym typeface="Open Sans"/>
+              </a:rPr>
+              <a:t>Best </a:t>
+            </a:r>
+            <a:r>
+              <a:rPr lang="en" sz="1400" b="0" i="0" u="none" strike="noStrike" cap="none" dirty="0">
+                <a:solidFill>
+                  <a:schemeClr val="dk2"/>
+                </a:solidFill>
+                <a:latin typeface="Open Sans"/>
+                <a:ea typeface="Open Sans"/>
+                <a:cs typeface="Open Sans"/>
+                <a:sym typeface="Open Sans"/>
+              </a:rPr>
+              <a:t>practice is to use classes for styling</a:t>
             </a:r>
           </a:p>
         </p:txBody>
@@ -14955,7 +15235,7 @@
           <a:p>
             <a:pPr marL="0" marR="0" lvl="0" indent="0" algn="l" rtl="0">
               <a:lnSpc>
-                <a:spcPct val="115000"/>
+                <a:spcPct val="120000"/>
               </a:lnSpc>
               <a:spcBef>
                 <a:spcPts val="0"/>
@@ -14971,7 +15251,7 @@
               <a:buNone/>
             </a:pPr>
             <a:r>
-              <a:rPr lang="en" sz="1800" b="0" i="0" u="none" strike="noStrike" cap="none">
+              <a:rPr lang="en" sz="1800" b="0" i="0" u="none" strike="noStrike" cap="none" dirty="0">
                 <a:solidFill>
                   <a:schemeClr val="dk2"/>
                 </a:solidFill>
@@ -14986,7 +15266,7 @@
           <a:p>
             <a:pPr marL="457200" marR="0" lvl="0" indent="-228600" algn="l" rtl="0">
               <a:lnSpc>
-                <a:spcPct val="115000"/>
+                <a:spcPct val="120000"/>
               </a:lnSpc>
               <a:spcBef>
                 <a:spcPts val="0"/>
@@ -15002,7 +15282,7 @@
               <a:buChar char="●"/>
             </a:pPr>
             <a:r>
-              <a:rPr lang="en" sz="1400" b="0" i="0" u="none" strike="noStrike" cap="none">
+              <a:rPr lang="en" sz="1400" b="0" i="0" u="none" strike="noStrike" cap="none" dirty="0">
                 <a:solidFill>
                   <a:schemeClr val="dk2"/>
                 </a:solidFill>
@@ -15017,7 +15297,7 @@
           <a:p>
             <a:pPr marL="457200" marR="0" lvl="0" indent="-228600" algn="l" rtl="0">
               <a:lnSpc>
-                <a:spcPct val="115000"/>
+                <a:spcPct val="120000"/>
               </a:lnSpc>
               <a:spcBef>
                 <a:spcPts val="400"/>
@@ -15033,7 +15313,7 @@
               <a:buChar char="●"/>
             </a:pPr>
             <a:r>
-              <a:rPr lang="en" sz="1400" b="0" i="0" u="none" strike="noStrike" cap="none">
+              <a:rPr lang="en" sz="1400" b="0" i="0" u="none" strike="noStrike" cap="none" dirty="0">
                 <a:solidFill>
                   <a:schemeClr val="dk2"/>
                 </a:solidFill>
@@ -15048,7 +15328,7 @@
           <a:p>
             <a:pPr marL="457200" marR="0" lvl="0" indent="-228600" algn="l" rtl="0">
               <a:lnSpc>
-                <a:spcPct val="115000"/>
+                <a:spcPct val="120000"/>
               </a:lnSpc>
               <a:spcBef>
                 <a:spcPts val="400"/>
@@ -15064,7 +15344,7 @@
               <a:buChar char="●"/>
             </a:pPr>
             <a:r>
-              <a:rPr lang="en" sz="1400" b="0" i="0" u="none" strike="noStrike" cap="none">
+              <a:rPr lang="en" sz="1400" b="0" i="0" u="none" strike="noStrike" cap="none" dirty="0">
                 <a:solidFill>
                   <a:schemeClr val="dk2"/>
                 </a:solidFill>
@@ -15076,7 +15356,7 @@
               <a:t>You can also add </a:t>
             </a:r>
             <a:r>
-              <a:rPr lang="en" sz="1400" i="0" u="none" strike="noStrike" cap="none">
+              <a:rPr lang="en" sz="1400" i="0" u="none" strike="noStrike" cap="none" dirty="0">
                 <a:solidFill>
                   <a:schemeClr val="dk2"/>
                 </a:solidFill>
@@ -15088,7 +15368,7 @@
               <a:t>!important</a:t>
             </a:r>
             <a:r>
-              <a:rPr lang="en" sz="1400" b="0" i="0" u="none" strike="noStrike" cap="none">
+              <a:rPr lang="en" sz="1400" b="0" i="0" u="none" strike="noStrike" cap="none" dirty="0">
                 <a:solidFill>
                   <a:schemeClr val="dk2"/>
                 </a:solidFill>
@@ -15272,7 +15552,7 @@
           <a:p>
             <a:pPr marL="0" marR="0" lvl="0" indent="0" algn="l" rtl="0">
               <a:lnSpc>
-                <a:spcPct val="115000"/>
+                <a:spcPct val="120000"/>
               </a:lnSpc>
               <a:spcBef>
                 <a:spcPts val="0"/>
@@ -15288,29 +15568,19 @@
               <a:buNone/>
             </a:pPr>
             <a:r>
-              <a:rPr lang="en"/>
-              <a:t>It’s called “cascading” style sheets because the style rules cascade down!</a:t>
-            </a:r>
-          </a:p>
-          <a:p>
-            <a:pPr marR="0" lvl="0" algn="l" rtl="0">
-              <a:lnSpc>
-                <a:spcPct val="115000"/>
-              </a:lnSpc>
-              <a:spcBef>
-                <a:spcPts val="0"/>
-              </a:spcBef>
-              <a:spcAft>
-                <a:spcPts val="0"/>
-              </a:spcAft>
-              <a:buNone/>
-            </a:pPr>
-            <a:endParaRPr/>
+              <a:rPr lang="en" dirty="0"/>
+              <a:t>It’s called “cascading” style sheets because the style rules cascade down</a:t>
+            </a:r>
+            <a:r>
+              <a:rPr lang="en" dirty="0" smtClean="0"/>
+              <a:t>!</a:t>
+            </a:r>
+            <a:endParaRPr dirty="0"/>
           </a:p>
           <a:p>
             <a:pPr marL="457200" marR="0" lvl="0" indent="-342900" algn="l" rtl="0">
               <a:lnSpc>
-                <a:spcPct val="115000"/>
+                <a:spcPct val="120000"/>
               </a:lnSpc>
               <a:spcBef>
                 <a:spcPts val="0"/>
@@ -15326,7 +15596,7 @@
               <a:buChar char="●"/>
             </a:pPr>
             <a:r>
-              <a:rPr lang="en" sz="1800" b="0" i="0" u="none" strike="noStrike" cap="none">
+              <a:rPr lang="en" sz="1400" b="0" i="0" u="none" strike="noStrike" cap="none" dirty="0">
                 <a:solidFill>
                   <a:schemeClr val="dk2"/>
                 </a:solidFill>
@@ -15341,7 +15611,7 @@
           <a:p>
             <a:pPr marL="457200" marR="0" lvl="0" indent="-342900" algn="l" rtl="0">
               <a:lnSpc>
-                <a:spcPct val="115000"/>
+                <a:spcPct val="120000"/>
               </a:lnSpc>
               <a:spcBef>
                 <a:spcPts val="1600"/>
@@ -15357,7 +15627,7 @@
               <a:buChar char="●"/>
             </a:pPr>
             <a:r>
-              <a:rPr lang="en" sz="1800" b="0" i="0" u="none" strike="noStrike" cap="none">
+              <a:rPr lang="en" sz="1400" b="0" i="0" u="none" strike="noStrike" cap="none" dirty="0">
                 <a:solidFill>
                   <a:schemeClr val="dk2"/>
                 </a:solidFill>
@@ -15372,7 +15642,7 @@
           <a:p>
             <a:pPr marL="457200" marR="0" lvl="0" indent="-342900" algn="l" rtl="0">
               <a:lnSpc>
-                <a:spcPct val="115000"/>
+                <a:spcPct val="120000"/>
               </a:lnSpc>
               <a:spcBef>
                 <a:spcPts val="1600"/>
@@ -15388,7 +15658,7 @@
               <a:buChar char="●"/>
             </a:pPr>
             <a:r>
-              <a:rPr lang="en" sz="1800" b="0" i="0" u="none" strike="noStrike" cap="none">
+              <a:rPr lang="en" sz="1400" b="0" i="0" u="none" strike="noStrike" cap="none" dirty="0">
                 <a:solidFill>
                   <a:schemeClr val="dk2"/>
                 </a:solidFill>
@@ -15403,7 +15673,7 @@
           <a:p>
             <a:pPr marL="457200" marR="0" lvl="0" indent="-342900" algn="l" rtl="0">
               <a:lnSpc>
-                <a:spcPct val="115000"/>
+                <a:spcPct val="120000"/>
               </a:lnSpc>
               <a:spcBef>
                 <a:spcPts val="1600"/>
@@ -15419,7 +15689,7 @@
               <a:buChar char="●"/>
             </a:pPr>
             <a:r>
-              <a:rPr lang="en" sz="1800" b="0" i="0" u="none" strike="noStrike" cap="none">
+              <a:rPr lang="en" sz="1400" b="0" i="0" u="none" strike="noStrike" cap="none" dirty="0">
                 <a:solidFill>
                   <a:schemeClr val="dk2"/>
                 </a:solidFill>
@@ -15930,7 +16200,7 @@
               <a:buChar char="●"/>
             </a:pPr>
             <a:r>
-              <a:rPr lang="en" sz="1400" b="0" i="0" u="none" strike="noStrike" cap="none">
+              <a:rPr lang="en" sz="1400" b="0" i="0" u="none" strike="noStrike" cap="none" dirty="0">
                 <a:solidFill>
                   <a:schemeClr val="dk2"/>
                 </a:solidFill>
@@ -15961,7 +16231,7 @@
               <a:buChar char="●"/>
             </a:pPr>
             <a:r>
-              <a:rPr lang="en" sz="1400" b="0" i="0" u="none" strike="noStrike" cap="none">
+              <a:rPr lang="en" sz="1400" b="0" i="0" u="none" strike="noStrike" cap="none" dirty="0">
                 <a:solidFill>
                   <a:schemeClr val="dk2"/>
                 </a:solidFill>
@@ -15992,7 +16262,7 @@
               <a:buChar char="●"/>
             </a:pPr>
             <a:r>
-              <a:rPr lang="en" sz="1400" b="0" i="0" u="none" strike="noStrike" cap="none">
+              <a:rPr lang="en" sz="1400" b="0" i="0" u="none" strike="noStrike" cap="none" dirty="0">
                 <a:solidFill>
                   <a:schemeClr val="dk2"/>
                 </a:solidFill>
@@ -16023,7 +16293,7 @@
               <a:buChar char="●"/>
             </a:pPr>
             <a:r>
-              <a:rPr lang="en" sz="1400" b="0" i="0" u="none" strike="noStrike" cap="none">
+              <a:rPr lang="en" sz="1400" b="0" i="0" u="none" strike="noStrike" cap="none" dirty="0">
                 <a:solidFill>
                   <a:schemeClr val="dk2"/>
                 </a:solidFill>
@@ -16054,7 +16324,7 @@
               <a:buChar char="●"/>
             </a:pPr>
             <a:r>
-              <a:rPr lang="en" sz="1400" b="0" i="0" u="none" strike="noStrike" cap="none">
+              <a:rPr lang="en" sz="1400" b="0" i="0" u="none" strike="noStrike" cap="none" dirty="0">
                 <a:solidFill>
                   <a:schemeClr val="dk2"/>
                 </a:solidFill>
@@ -16085,7 +16355,7 @@
               <a:buChar char="●"/>
             </a:pPr>
             <a:r>
-              <a:rPr lang="en" sz="1400" b="0" i="0" u="none" strike="noStrike" cap="none">
+              <a:rPr lang="en" sz="1400" b="0" i="0" u="none" strike="noStrike" cap="none" dirty="0">
                 <a:solidFill>
                   <a:schemeClr val="dk2"/>
                 </a:solidFill>
@@ -16116,7 +16386,7 @@
               <a:buChar char="●"/>
             </a:pPr>
             <a:r>
-              <a:rPr lang="en" sz="1400" b="0" i="0" u="none" strike="noStrike" cap="none">
+              <a:rPr lang="en" sz="1400" b="0" i="0" u="none" strike="noStrike" cap="none" dirty="0">
                 <a:solidFill>
                   <a:schemeClr val="dk2"/>
                 </a:solidFill>
@@ -16147,7 +16417,7 @@
               <a:buChar char="●"/>
             </a:pPr>
             <a:r>
-              <a:rPr lang="en" sz="1400" b="0" i="0" u="none" strike="noStrike" cap="none">
+              <a:rPr lang="en" sz="1400" b="0" i="0" u="none" strike="noStrike" cap="none" dirty="0">
                 <a:solidFill>
                   <a:schemeClr val="dk2"/>
                 </a:solidFill>
@@ -16178,7 +16448,7 @@
               <a:buChar char="●"/>
             </a:pPr>
             <a:r>
-              <a:rPr lang="en" sz="1400" b="0" i="0" u="none" strike="noStrike" cap="none">
+              <a:rPr lang="en" sz="1400" b="0" i="0" u="none" strike="noStrike" cap="none" dirty="0">
                 <a:solidFill>
                   <a:schemeClr val="dk2"/>
                 </a:solidFill>
@@ -16209,7 +16479,7 @@
               <a:buChar char="●"/>
             </a:pPr>
             <a:r>
-              <a:rPr lang="en" sz="1400" b="0" i="0" u="none" strike="noStrike" cap="none">
+              <a:rPr lang="en" sz="1400" b="0" i="0" u="none" strike="noStrike" cap="none" dirty="0">
                 <a:solidFill>
                   <a:schemeClr val="dk2"/>
                 </a:solidFill>
@@ -16240,7 +16510,7 @@
               <a:buChar char="●"/>
             </a:pPr>
             <a:r>
-              <a:rPr lang="en" sz="1400" b="0" i="0" u="none" strike="noStrike" cap="none">
+              <a:rPr lang="en" sz="1400" b="0" i="0" u="none" strike="noStrike" cap="none" dirty="0">
                 <a:solidFill>
                   <a:schemeClr val="dk2"/>
                 </a:solidFill>
@@ -16271,7 +16541,7 @@
               <a:buChar char="●"/>
             </a:pPr>
             <a:r>
-              <a:rPr lang="en" sz="1400" b="0" i="0" u="none" strike="noStrike" cap="none">
+              <a:rPr lang="en" sz="1400" b="0" i="0" u="none" strike="noStrike" cap="none" dirty="0">
                 <a:solidFill>
                   <a:schemeClr val="dk2"/>
                 </a:solidFill>
@@ -16302,7 +16572,7 @@
               <a:buChar char="●"/>
             </a:pPr>
             <a:r>
-              <a:rPr lang="en" sz="1400" b="0" i="0" u="none" strike="noStrike" cap="none">
+              <a:rPr lang="en" sz="1400" b="0" i="0" u="none" strike="noStrike" cap="none" dirty="0">
                 <a:solidFill>
                   <a:schemeClr val="dk2"/>
                 </a:solidFill>
@@ -18829,7 +19099,7 @@
           <a:p>
             <a:pPr marL="0" marR="0" lvl="0" indent="0" algn="l" rtl="0">
               <a:lnSpc>
-                <a:spcPct val="115000"/>
+                <a:spcPct val="100000"/>
               </a:lnSpc>
               <a:spcBef>
                 <a:spcPts val="0"/>
@@ -18845,7 +19115,7 @@
               <a:buNone/>
             </a:pPr>
             <a:r>
-              <a:rPr lang="en" sz="1800" b="0" i="0" u="none" strike="noStrike" cap="none">
+              <a:rPr lang="en" sz="1800" b="0" i="0" u="none" strike="noStrike" cap="none" dirty="0">
                 <a:solidFill>
                   <a:schemeClr val="dk2"/>
                 </a:solidFill>
@@ -18857,7 +19127,7 @@
               <a:t>An HTML document is composed of a tree of </a:t>
             </a:r>
             <a:r>
-              <a:rPr lang="en" sz="1800" b="1" i="0" u="none" strike="noStrike" cap="none">
+              <a:rPr lang="en" sz="1800" b="1" i="0" u="none" strike="noStrike" cap="none" dirty="0">
                 <a:solidFill>
                   <a:schemeClr val="dk2"/>
                 </a:solidFill>
@@ -18872,7 +19142,7 @@
           <a:p>
             <a:pPr marL="457200" marR="0" lvl="0" indent="-228600" algn="l" rtl="0">
               <a:lnSpc>
-                <a:spcPct val="115000"/>
+                <a:spcPct val="100000"/>
               </a:lnSpc>
               <a:spcBef>
                 <a:spcPts val="0"/>
@@ -18888,7 +19158,7 @@
               <a:buChar char="●"/>
             </a:pPr>
             <a:r>
-              <a:rPr lang="en" sz="1400" b="0" i="0" u="none" strike="noStrike" cap="none">
+              <a:rPr lang="en" sz="1400" b="0" i="0" u="none" strike="noStrike" cap="none" dirty="0">
                 <a:solidFill>
                   <a:schemeClr val="dk2"/>
                 </a:solidFill>
@@ -18903,7 +19173,7 @@
           <a:p>
             <a:pPr marL="457200" marR="0" lvl="0" indent="-228600" algn="l" rtl="0">
               <a:lnSpc>
-                <a:spcPct val="115000"/>
+                <a:spcPct val="100000"/>
               </a:lnSpc>
               <a:spcBef>
                 <a:spcPts val="400"/>
@@ -18919,7 +19189,7 @@
               <a:buChar char="●"/>
             </a:pPr>
             <a:r>
-              <a:rPr lang="en" sz="1400" b="0" i="0" u="none" strike="noStrike" cap="none">
+              <a:rPr lang="en" sz="1400" b="0" i="0" u="none" strike="noStrike" cap="none" dirty="0">
                 <a:solidFill>
                   <a:schemeClr val="dk2"/>
                 </a:solidFill>
@@ -18934,7 +19204,7 @@
           <a:p>
             <a:pPr marL="0" marR="0" lvl="0" indent="0" algn="l" rtl="0">
               <a:lnSpc>
-                <a:spcPct val="115000"/>
+                <a:spcPct val="100000"/>
               </a:lnSpc>
               <a:spcBef>
                 <a:spcPts val="2000"/>
@@ -18950,7 +19220,7 @@
               <a:buNone/>
             </a:pPr>
             <a:r>
-              <a:rPr lang="en" sz="1800" b="0" i="0" u="none" strike="noStrike" cap="none">
+              <a:rPr lang="en" sz="1800" b="0" i="0" u="none" strike="noStrike" cap="none" dirty="0">
                 <a:solidFill>
                   <a:schemeClr val="dk2"/>
                 </a:solidFill>
@@ -18962,7 +19232,7 @@
               <a:t>An element usually has an opening and closing </a:t>
             </a:r>
             <a:r>
-              <a:rPr lang="en" sz="1800" b="1" i="0" u="none" strike="noStrike" cap="none">
+              <a:rPr lang="en" sz="1800" b="1" i="0" u="none" strike="noStrike" cap="none" dirty="0">
                 <a:solidFill>
                   <a:schemeClr val="dk2"/>
                 </a:solidFill>
@@ -18977,7 +19247,7 @@
           <a:p>
             <a:pPr marL="457200" marR="0" lvl="0" indent="-228600" algn="l" rtl="0">
               <a:lnSpc>
-                <a:spcPct val="115000"/>
+                <a:spcPct val="100000"/>
               </a:lnSpc>
               <a:spcBef>
                 <a:spcPts val="0"/>
@@ -18993,7 +19263,7 @@
               <a:buChar char="●"/>
             </a:pPr>
             <a:r>
-              <a:rPr lang="en" sz="1400" b="0" i="0" u="none" strike="noStrike" cap="none">
+              <a:rPr lang="en" sz="1400" b="0" i="0" u="none" strike="noStrike" cap="none" dirty="0">
                 <a:solidFill>
                   <a:schemeClr val="dk2"/>
                 </a:solidFill>
@@ -19008,7 +19278,7 @@
           <a:p>
             <a:pPr marL="457200" marR="0" lvl="0" indent="-228600" algn="l" rtl="0">
               <a:lnSpc>
-                <a:spcPct val="115000"/>
+                <a:spcPct val="100000"/>
               </a:lnSpc>
               <a:spcBef>
                 <a:spcPts val="0"/>
@@ -19024,7 +19294,7 @@
               <a:buChar char="●"/>
             </a:pPr>
             <a:r>
-              <a:rPr lang="en" sz="1400" b="0" i="0" u="none" strike="noStrike" cap="none">
+              <a:rPr lang="en" sz="1400" b="0" i="0" u="none" strike="noStrike" cap="none" dirty="0">
                 <a:solidFill>
                   <a:schemeClr val="dk2"/>
                 </a:solidFill>
@@ -19039,7 +19309,7 @@
           <a:p>
             <a:pPr marL="457200" marR="0" lvl="0" indent="-228600" algn="l" rtl="0">
               <a:lnSpc>
-                <a:spcPct val="115000"/>
+                <a:spcPct val="100000"/>
               </a:lnSpc>
               <a:spcBef>
                 <a:spcPts val="0"/>
@@ -19055,7 +19325,7 @@
               <a:buChar char="●"/>
             </a:pPr>
             <a:r>
-              <a:rPr lang="en" sz="1400" b="0" i="0" u="none" strike="noStrike" cap="none">
+              <a:rPr lang="en" sz="1400" b="0" i="0" u="none" strike="noStrike" cap="none" dirty="0">
                 <a:solidFill>
                   <a:schemeClr val="dk2"/>
                 </a:solidFill>
@@ -19070,7 +19340,7 @@
           <a:p>
             <a:pPr marL="0" marR="0" lvl="0" indent="0" algn="l" rtl="0">
               <a:lnSpc>
-                <a:spcPct val="115000"/>
+                <a:spcPct val="100000"/>
               </a:lnSpc>
               <a:spcBef>
                 <a:spcPts val="1600"/>
@@ -19086,7 +19356,7 @@
               <a:buNone/>
             </a:pPr>
             <a:r>
-              <a:rPr lang="en" sz="1800" b="1" i="0" u="none" strike="noStrike" cap="none">
+              <a:rPr lang="en" sz="1800" b="1" i="0" u="none" strike="noStrike" cap="none" dirty="0">
                 <a:solidFill>
                   <a:schemeClr val="dk2"/>
                 </a:solidFill>
@@ -19098,7 +19368,7 @@
               <a:t>Attributes</a:t>
             </a:r>
             <a:r>
-              <a:rPr lang="en" sz="1800" b="0" i="0" u="none" strike="noStrike" cap="none">
+              <a:rPr lang="en" sz="1800" b="0" i="0" u="none" strike="noStrike" cap="none" dirty="0">
                 <a:solidFill>
                   <a:schemeClr val="dk2"/>
                 </a:solidFill>
@@ -19113,7 +19383,7 @@
           <a:p>
             <a:pPr marL="457200" marR="0" lvl="0" indent="-228600" algn="l" rtl="0">
               <a:lnSpc>
-                <a:spcPct val="115000"/>
+                <a:spcPct val="100000"/>
               </a:lnSpc>
               <a:spcBef>
                 <a:spcPts val="0"/>
@@ -19129,7 +19399,7 @@
               <a:buChar char="●"/>
             </a:pPr>
             <a:r>
-              <a:rPr lang="en" sz="1400" b="0" i="0" u="none" strike="noStrike" cap="none">
+              <a:rPr lang="en" sz="1400" b="0" i="0" u="none" strike="noStrike" cap="none" dirty="0">
                 <a:solidFill>
                   <a:schemeClr val="dk2"/>
                 </a:solidFill>
@@ -19144,7 +19414,7 @@
           <a:p>
             <a:pPr marL="0" marR="0" lvl="0" indent="0" algn="l" rtl="0">
               <a:lnSpc>
-                <a:spcPct val="115000"/>
+                <a:spcPct val="100000"/>
               </a:lnSpc>
               <a:spcBef>
                 <a:spcPts val="1600"/>
@@ -19160,7 +19430,7 @@
               <a:buNone/>
             </a:pPr>
             <a:r>
-              <a:rPr lang="en" sz="1800" b="0" i="0" u="none" strike="noStrike" cap="none">
+              <a:rPr lang="en" sz="1800" b="0" i="0" u="none" strike="noStrike" cap="none" dirty="0">
                 <a:solidFill>
                   <a:schemeClr val="dk2"/>
                 </a:solidFill>
@@ -19175,7 +19445,7 @@
           <a:p>
             <a:pPr marL="0" marR="0" lvl="0" indent="0" algn="l" rtl="0">
               <a:lnSpc>
-                <a:spcPct val="115000"/>
+                <a:spcPct val="100000"/>
               </a:lnSpc>
               <a:spcBef>
                 <a:spcPts val="0"/>
@@ -19190,7 +19460,7 @@
               <a:buFont typeface="Open Sans"/>
               <a:buNone/>
             </a:pPr>
-            <a:endParaRPr sz="1800" b="0" i="0" u="none" strike="noStrike" cap="none">
+            <a:endParaRPr sz="1800" b="0" i="0" u="none" strike="noStrike" cap="none" dirty="0">
               <a:solidFill>
                 <a:schemeClr val="dk2"/>
               </a:solidFill>
@@ -19335,7 +19605,7 @@
               <a:buNone/>
             </a:pPr>
             <a:r>
-              <a:rPr lang="en" sz="1400" b="0" i="0" u="none" strike="noStrike" cap="none">
+              <a:rPr lang="en" sz="1400" b="0" i="0" u="none" strike="noStrike" cap="none" dirty="0">
                 <a:solidFill>
                   <a:srgbClr val="38761D"/>
                 </a:solidFill>
@@ -19366,7 +19636,7 @@
               <a:buNone/>
             </a:pPr>
             <a:r>
-              <a:rPr lang="en" sz="1400" b="0" i="0" u="none" strike="noStrike" cap="none">
+              <a:rPr lang="en" sz="1400" b="0" i="0" u="none" strike="noStrike" cap="none" dirty="0">
                 <a:solidFill>
                   <a:srgbClr val="38761D"/>
                 </a:solidFill>
@@ -19397,7 +19667,7 @@
               <a:buNone/>
             </a:pPr>
             <a:r>
-              <a:rPr lang="en" sz="1400" b="0" i="0" u="none" strike="noStrike" cap="none">
+              <a:rPr lang="en" sz="1400" b="0" i="0" u="none" strike="noStrike" cap="none" dirty="0">
                 <a:solidFill>
                   <a:srgbClr val="38761D"/>
                 </a:solidFill>
@@ -19428,7 +19698,7 @@
               <a:buNone/>
             </a:pPr>
             <a:r>
-              <a:rPr lang="en" sz="1400" b="0" i="0" u="none" strike="noStrike" cap="none">
+              <a:rPr lang="en" sz="1400" b="0" i="0" u="none" strike="noStrike" cap="none" dirty="0">
                 <a:solidFill>
                   <a:srgbClr val="38761D"/>
                 </a:solidFill>
@@ -19459,7 +19729,7 @@
               <a:buNone/>
             </a:pPr>
             <a:r>
-              <a:rPr lang="en" sz="1400" b="0" i="0" u="none" strike="noStrike" cap="none">
+              <a:rPr lang="en" sz="1400" b="0" i="0" u="none" strike="noStrike" cap="none" dirty="0">
                 <a:solidFill>
                   <a:srgbClr val="38761D"/>
                 </a:solidFill>
@@ -19490,7 +19760,7 @@
               <a:buNone/>
             </a:pPr>
             <a:r>
-              <a:rPr lang="en" sz="1400" b="0" i="0" u="none" strike="noStrike" cap="none">
+              <a:rPr lang="en" sz="1400" b="0" i="0" u="none" strike="noStrike" cap="none" dirty="0" smtClean="0">
                 <a:solidFill>
                   <a:srgbClr val="38761D"/>
                 </a:solidFill>
@@ -19499,7 +19769,19 @@
                 <a:cs typeface="Open Sans"/>
                 <a:sym typeface="Open Sans"/>
               </a:rPr>
-              <a:t>	&lt;div&gt;</a:t>
+              <a:t>	&lt;</a:t>
+            </a:r>
+            <a:r>
+              <a:rPr lang="en" sz="1400" b="0" i="0" u="none" strike="noStrike" cap="none" dirty="0">
+                <a:solidFill>
+                  <a:srgbClr val="38761D"/>
+                </a:solidFill>
+                <a:latin typeface="Open Sans"/>
+                <a:ea typeface="Open Sans"/>
+                <a:cs typeface="Open Sans"/>
+                <a:sym typeface="Open Sans"/>
+              </a:rPr>
+              <a:t>div&gt;</a:t>
             </a:r>
           </a:p>
           <a:p>
@@ -19521,7 +19803,7 @@
               <a:buNone/>
             </a:pPr>
             <a:r>
-              <a:rPr lang="en" sz="1400" b="0" i="0" u="none" strike="noStrike" cap="none">
+              <a:rPr lang="en" sz="1400" b="0" i="0" u="none" strike="noStrike" cap="none" dirty="0">
                 <a:solidFill>
                   <a:srgbClr val="38761D"/>
                 </a:solidFill>
@@ -19530,7 +19812,43 @@
                 <a:cs typeface="Open Sans"/>
                 <a:sym typeface="Open Sans"/>
               </a:rPr>
-              <a:t>		Here’s my first HTML</a:t>
+              <a:t>	</a:t>
+            </a:r>
+            <a:r>
+              <a:rPr lang="en-US" sz="1400" b="0" i="0" u="none" strike="noStrike" cap="none" dirty="0" smtClean="0">
+                <a:solidFill>
+                  <a:srgbClr val="38761D"/>
+                </a:solidFill>
+                <a:latin typeface="Open Sans"/>
+                <a:ea typeface="Open Sans"/>
+                <a:cs typeface="Open Sans"/>
+                <a:sym typeface="Open Sans"/>
+              </a:rPr>
+              <a:t>	</a:t>
+            </a:r>
+            <a:r>
+              <a:rPr lang="en" sz="1400" b="0" i="0" u="none" strike="noStrike" cap="none" dirty="0" smtClean="0">
+                <a:solidFill>
+                  <a:srgbClr val="38761D"/>
+                </a:solidFill>
+                <a:latin typeface="Open Sans"/>
+                <a:ea typeface="Open Sans"/>
+                <a:cs typeface="Open Sans"/>
+                <a:sym typeface="Open Sans"/>
+              </a:rPr>
+              <a:t>Here’s </a:t>
+            </a:r>
+            <a:r>
+              <a:rPr lang="en" sz="1400" b="0" i="0" u="none" strike="noStrike" cap="none" dirty="0">
+                <a:solidFill>
+                  <a:srgbClr val="38761D"/>
+                </a:solidFill>
+                <a:latin typeface="Open Sans"/>
+                <a:ea typeface="Open Sans"/>
+                <a:cs typeface="Open Sans"/>
+                <a:sym typeface="Open Sans"/>
+              </a:rPr>
+              <a:t>my first HTML</a:t>
             </a:r>
           </a:p>
           <a:p>
@@ -19552,7 +19870,7 @@
               <a:buNone/>
             </a:pPr>
             <a:r>
-              <a:rPr lang="en" sz="1400" b="0" i="0" u="none" strike="noStrike" cap="none">
+              <a:rPr lang="en" sz="1400" b="0" i="0" u="none" strike="noStrike" cap="none" dirty="0">
                 <a:solidFill>
                   <a:srgbClr val="38761D"/>
                 </a:solidFill>
@@ -19583,7 +19901,7 @@
               <a:buNone/>
             </a:pPr>
             <a:r>
-              <a:rPr lang="en" sz="1400" b="0" i="0" u="none" strike="noStrike" cap="none">
+              <a:rPr lang="en" sz="1400" b="0" i="0" u="none" strike="noStrike" cap="none" dirty="0">
                 <a:solidFill>
                   <a:srgbClr val="38761D"/>
                 </a:solidFill>
@@ -19614,7 +19932,7 @@
               <a:buNone/>
             </a:pPr>
             <a:r>
-              <a:rPr lang="en" sz="1400" b="0" i="0" u="none" strike="noStrike" cap="none">
+              <a:rPr lang="en" sz="1400" b="0" i="0" u="none" strike="noStrike" cap="none" dirty="0">
                 <a:solidFill>
                   <a:srgbClr val="38761D"/>
                 </a:solidFill>
@@ -20191,7 +20509,7 @@
               <a:buNone/>
             </a:pPr>
             <a:r>
-              <a:rPr lang="en" sz="1800" b="0" i="0" u="none" strike="noStrike" cap="none">
+              <a:rPr lang="en" sz="1800" b="0" i="0" u="none" strike="noStrike" cap="none" dirty="0">
                 <a:solidFill>
                   <a:schemeClr val="dk2"/>
                 </a:solidFill>
@@ -20221,7 +20539,7 @@
               <a:buFont typeface="Arial"/>
               <a:buNone/>
             </a:pPr>
-            <a:endParaRPr sz="1800" b="0" i="0" u="none" strike="noStrike" cap="none">
+            <a:endParaRPr sz="1800" b="0" i="0" u="none" strike="noStrike" cap="none" dirty="0">
               <a:solidFill>
                 <a:srgbClr val="000000"/>
               </a:solidFill>
@@ -20250,7 +20568,7 @@
               <a:buNone/>
             </a:pPr>
             <a:r>
-              <a:rPr lang="en" sz="1800" b="0" i="0" u="none" strike="noStrike" cap="none">
+              <a:rPr lang="en" sz="1800" b="0" i="0" u="none" strike="noStrike" cap="none" dirty="0">
                 <a:solidFill>
                   <a:schemeClr val="dk2"/>
                 </a:solidFill>
@@ -20281,7 +20599,7 @@
               <a:buNone/>
             </a:pPr>
             <a:r>
-              <a:rPr lang="en" sz="1800" b="0" i="0" u="none" strike="noStrike" cap="none">
+              <a:rPr lang="en" sz="1800" b="0" i="0" u="none" strike="noStrike" cap="none" dirty="0">
                 <a:solidFill>
                   <a:schemeClr val="dk2"/>
                 </a:solidFill>
@@ -20312,7 +20630,7 @@
               <a:buNone/>
             </a:pPr>
             <a:r>
-              <a:rPr lang="en" sz="1800" b="0" i="0" u="none" strike="noStrike" cap="none">
+              <a:rPr lang="en" sz="1800" b="0" i="0" u="none" strike="noStrike" cap="none" dirty="0">
                 <a:solidFill>
                   <a:schemeClr val="dk2"/>
                 </a:solidFill>
@@ -20324,7 +20642,7 @@
               <a:t>&lt;title&gt;    defines the title of the document</a:t>
             </a:r>
             <a:br>
-              <a:rPr lang="en" sz="1800" b="0" i="0" u="none" strike="noStrike" cap="none">
+              <a:rPr lang="en" sz="1800" b="0" i="0" u="none" strike="noStrike" cap="none" dirty="0">
                 <a:solidFill>
                   <a:schemeClr val="dk2"/>
                 </a:solidFill>
@@ -20335,7 +20653,7 @@
               </a:rPr>
             </a:br>
             <a:r>
-              <a:rPr lang="en" sz="1800" b="0" i="0" u="none" strike="noStrike" cap="none">
+              <a:rPr lang="en" sz="1800" b="0" i="0" u="none" strike="noStrike" cap="none" dirty="0">
                 <a:solidFill>
                   <a:srgbClr val="B7B7B7"/>
                 </a:solidFill>
@@ -20344,10 +20662,10 @@
                 <a:cs typeface="Open Sans"/>
                 <a:sym typeface="Open Sans"/>
               </a:rPr>
-              <a:t>            </a:t>
-            </a:r>
-            <a:r>
-              <a:rPr lang="en" sz="1800" b="0" i="0" u="none" strike="noStrike" cap="none">
+              <a:t>          </a:t>
+            </a:r>
+            <a:r>
+              <a:rPr lang="en" sz="1800" b="0" i="0" u="none" strike="noStrike" cap="none" dirty="0" smtClean="0">
                 <a:solidFill>
                   <a:srgbClr val="999999"/>
                 </a:solidFill>
@@ -20356,7 +20674,19 @@
                 <a:cs typeface="Open Sans"/>
                 <a:sym typeface="Open Sans"/>
               </a:rPr>
-              <a:t>(technically optional, but good practice to always have)</a:t>
+              <a:t>(</a:t>
+            </a:r>
+            <a:r>
+              <a:rPr lang="en" sz="1800" b="0" i="0" u="none" strike="noStrike" cap="none" dirty="0">
+                <a:solidFill>
+                  <a:srgbClr val="999999"/>
+                </a:solidFill>
+                <a:latin typeface="Open Sans"/>
+                <a:ea typeface="Open Sans"/>
+                <a:cs typeface="Open Sans"/>
+                <a:sym typeface="Open Sans"/>
+              </a:rPr>
+              <a:t>technically optional, but good practice to always have)</a:t>
             </a:r>
           </a:p>
           <a:p>
@@ -20378,7 +20708,7 @@
               <a:buNone/>
             </a:pPr>
             <a:r>
-              <a:rPr lang="en" sz="1800" b="0" i="0" u="none" strike="noStrike" cap="none">
+              <a:rPr lang="en" sz="1800" b="0" i="0" u="none" strike="noStrike" cap="none" dirty="0">
                 <a:solidFill>
                   <a:schemeClr val="dk2"/>
                 </a:solidFill>
